--- a/Hidden Gems In TypeScript.pptx
+++ b/Hidden Gems In TypeScript.pptx
@@ -3912,8 +3912,12 @@
               <a:buNone/>
             </a:pPr>
             <a:r>
+              <a:rPr lang="en-US" dirty="0" smtClean="0"/>
+              <a:t>Jake </a:t>
+            </a:r>
+            <a:r>
               <a:rPr lang="en-US" dirty="0"/>
-              <a:t>Jacob Adams</a:t>
+              <a:t>Adams</a:t>
             </a:r>
           </a:p>
           <a:p>
@@ -4029,7 +4033,7 @@
         <p:spPr/>
         <p:txBody>
           <a:bodyPr>
-            <a:normAutofit fontScale="25000" lnSpcReduction="20000"/>
+            <a:normAutofit fontScale="47500" lnSpcReduction="20000"/>
           </a:bodyPr>
           <a:lstStyle/>
           <a:p>
@@ -4048,15 +4052,12 @@
           <a:p>
             <a:pPr lvl="1"/>
             <a:r>
+              <a:rPr lang="en-US" dirty="0" smtClean="0"/>
+              <a:t>Type </a:t>
+            </a:r>
+            <a:r>
               <a:rPr lang="en-US" dirty="0"/>
-              <a:t>Intersection Types</a:t>
-            </a:r>
-          </a:p>
-          <a:p>
-            <a:pPr lvl="1"/>
-            <a:r>
-              <a:rPr lang="en-US" dirty="0"/>
-              <a:t>Type Guard - </a:t>
+              <a:t>Guard - </a:t>
             </a:r>
             <a:r>
               <a:rPr lang="en-US" dirty="0" err="1"/>
@@ -4134,16 +4135,12 @@
           <a:p>
             <a:pPr lvl="1"/>
             <a:r>
-              <a:rPr lang="en-US" dirty="0" err="1"/>
-              <a:t>Destructuring</a:t>
-            </a:r>
-            <a:endParaRPr lang="en-US" dirty="0"/>
-          </a:p>
-          <a:p>
-            <a:pPr lvl="1"/>
+              <a:rPr lang="en-US" dirty="0" smtClean="0"/>
+              <a:t>Template </a:t>
+            </a:r>
             <a:r>
               <a:rPr lang="en-US" dirty="0"/>
-              <a:t>Template strings</a:t>
+              <a:t>strings</a:t>
             </a:r>
           </a:p>
           <a:p>
@@ -4179,14 +4176,7 @@
           <a:p>
             <a:pPr lvl="1"/>
             <a:r>
-              <a:rPr lang="en-US" dirty="0"/>
-              <a:t>Libs</a:t>
-            </a:r>
-          </a:p>
-          <a:p>
-            <a:pPr lvl="1"/>
-            <a:r>
-              <a:rPr lang="en-US" dirty="0"/>
+              <a:rPr lang="en-US" dirty="0" smtClean="0"/>
               <a:t>Allow </a:t>
             </a:r>
             <a:r>
@@ -4206,15 +4196,12 @@
           <a:p>
             <a:pPr lvl="1"/>
             <a:r>
+              <a:rPr lang="en-US" dirty="0" smtClean="0"/>
+              <a:t>Declaration </a:t>
+            </a:r>
+            <a:r>
               <a:rPr lang="en-US" dirty="0"/>
-              <a:t>List files?</a:t>
-            </a:r>
-          </a:p>
-          <a:p>
-            <a:pPr lvl="1"/>
-            <a:r>
-              <a:rPr lang="en-US" dirty="0"/>
-              <a:t>Declaration ( create .</a:t>
+              <a:t>( create .</a:t>
             </a:r>
             <a:r>
               <a:rPr lang="en-US" dirty="0" err="1"/>
@@ -4261,45 +4248,13 @@
             </a:r>
             <a:r>
               <a:rPr lang="en-US" dirty="0"/>
-              <a:t> errors</a:t>
-            </a:r>
-          </a:p>
-          <a:p>
-            <a:r>
-              <a:rPr lang="en-US" dirty="0" err="1"/>
-              <a:t>TSLint</a:t>
+              <a:t> </a:t>
+            </a:r>
+            <a:r>
+              <a:rPr lang="en-US" dirty="0" smtClean="0"/>
+              <a:t>errors</a:t>
             </a:r>
             <a:endParaRPr lang="en-US" dirty="0"/>
-          </a:p>
-          <a:p>
-            <a:r>
-              <a:rPr lang="en-US" dirty="0"/>
-              <a:t>Lint type check (</a:t>
-            </a:r>
-            <a:r>
-              <a:rPr lang="en-US" dirty="0" err="1"/>
-              <a:t>noununused</a:t>
-            </a:r>
-            <a:r>
-              <a:rPr lang="en-US" dirty="0"/>
-              <a:t> </a:t>
-            </a:r>
-            <a:r>
-              <a:rPr lang="en-US" dirty="0" err="1"/>
-              <a:t>params</a:t>
-            </a:r>
-            <a:r>
-              <a:rPr lang="en-US" dirty="0"/>
-              <a:t>, </a:t>
-            </a:r>
-            <a:r>
-              <a:rPr lang="en-US" dirty="0" err="1"/>
-              <a:t>etc</a:t>
-            </a:r>
-            <a:r>
-              <a:rPr lang="en-US" dirty="0"/>
-              <a:t>)</a:t>
-            </a:r>
           </a:p>
         </p:txBody>
       </p:sp>
@@ -4514,7 +4469,7 @@
         <p:spPr/>
         <p:txBody>
           <a:bodyPr>
-            <a:normAutofit fontScale="55000" lnSpcReduction="20000"/>
+            <a:normAutofit fontScale="85000" lnSpcReduction="20000"/>
           </a:bodyPr>
           <a:lstStyle/>
           <a:p>
@@ -4534,8 +4489,24 @@
             <a:pPr lvl="1"/>
             <a:r>
               <a:rPr lang="en-US" dirty="0"/>
-              <a:t>Index Types</a:t>
-            </a:r>
+              <a:t>Index </a:t>
+            </a:r>
+            <a:r>
+              <a:rPr lang="en-US" dirty="0" smtClean="0"/>
+              <a:t>Types</a:t>
+            </a:r>
+          </a:p>
+          <a:p>
+            <a:pPr lvl="1"/>
+            <a:r>
+              <a:rPr lang="en-US" dirty="0"/>
+              <a:t>Intersection </a:t>
+            </a:r>
+            <a:r>
+              <a:rPr lang="en-US" dirty="0" smtClean="0"/>
+              <a:t>Types</a:t>
+            </a:r>
+            <a:endParaRPr lang="en-US" dirty="0"/>
           </a:p>
           <a:p>
             <a:r>
@@ -4547,8 +4518,24 @@
             <a:pPr lvl="1"/>
             <a:r>
               <a:rPr lang="en-US" dirty="0"/>
-              <a:t>Template strings</a:t>
-            </a:r>
+              <a:t>Template </a:t>
+            </a:r>
+            <a:r>
+              <a:rPr lang="en-US" dirty="0" smtClean="0"/>
+              <a:t>strings</a:t>
+            </a:r>
+          </a:p>
+          <a:p>
+            <a:pPr lvl="1"/>
+            <a:r>
+              <a:rPr lang="en-US" dirty="0" err="1"/>
+              <a:t>Destructuring</a:t>
+            </a:r>
+            <a:endParaRPr lang="en-US" dirty="0"/>
+          </a:p>
+          <a:p>
+            <a:pPr lvl="1"/>
+            <a:endParaRPr lang="en-US" dirty="0"/>
           </a:p>
           <a:p>
             <a:r>
@@ -4559,114 +4546,29 @@
           <a:p>
             <a:pPr lvl="1"/>
             <a:r>
-              <a:rPr lang="en-US" dirty="0" err="1"/>
-              <a:t>tsc</a:t>
+              <a:rPr lang="en-US" dirty="0" smtClean="0"/>
+              <a:t>Libs</a:t>
+            </a:r>
+            <a:endParaRPr lang="en-US" dirty="0"/>
+          </a:p>
+          <a:p>
+            <a:pPr lvl="1"/>
+            <a:r>
+              <a:rPr lang="en-US" dirty="0" smtClean="0"/>
+              <a:t>List </a:t>
             </a:r>
             <a:r>
               <a:rPr lang="en-US" dirty="0"/>
-              <a:t> </a:t>
-            </a:r>
-            <a:r>
-              <a:rPr lang="en-US" dirty="0" err="1"/>
-              <a:t>init</a:t>
+              <a:t>files?</a:t>
+            </a:r>
+          </a:p>
+          <a:p>
+            <a:pPr lvl="1"/>
+            <a:r>
+              <a:rPr lang="en-US" dirty="0" err="1" smtClean="0"/>
+              <a:t>Linting</a:t>
             </a:r>
             <a:endParaRPr lang="en-US" dirty="0"/>
-          </a:p>
-          <a:p>
-            <a:pPr lvl="1"/>
-            <a:r>
-              <a:rPr lang="en-US" dirty="0" err="1"/>
-              <a:t>Skiplibcheck</a:t>
-            </a:r>
-            <a:endParaRPr lang="en-US" dirty="0"/>
-          </a:p>
-          <a:p>
-            <a:pPr lvl="1"/>
-            <a:r>
-              <a:rPr lang="en-US" dirty="0"/>
-              <a:t>Libs</a:t>
-            </a:r>
-          </a:p>
-          <a:p>
-            <a:pPr lvl="1"/>
-            <a:r>
-              <a:rPr lang="en-US" dirty="0"/>
-              <a:t>Allow </a:t>
-            </a:r>
-            <a:r>
-              <a:rPr lang="en-US" dirty="0" err="1"/>
-              <a:t>js</a:t>
-            </a:r>
-            <a:r>
-              <a:rPr lang="en-US" dirty="0"/>
-              <a:t> / </a:t>
-            </a:r>
-            <a:r>
-              <a:rPr lang="en-US" dirty="0" err="1"/>
-              <a:t>checkjs</a:t>
-            </a:r>
-            <a:endParaRPr lang="en-US" dirty="0"/>
-          </a:p>
-          <a:p>
-            <a:pPr lvl="1"/>
-            <a:r>
-              <a:rPr lang="en-US" dirty="0"/>
-              <a:t>List files?</a:t>
-            </a:r>
-          </a:p>
-          <a:p>
-            <a:pPr lvl="1"/>
-            <a:r>
-              <a:rPr lang="en-US" dirty="0"/>
-              <a:t>Declaration ( create .</a:t>
-            </a:r>
-            <a:r>
-              <a:rPr lang="en-US" dirty="0" err="1"/>
-              <a:t>d.ts</a:t>
-            </a:r>
-            <a:r>
-              <a:rPr lang="en-US" dirty="0"/>
-              <a:t> files? / </a:t>
-            </a:r>
-            <a:r>
-              <a:rPr lang="en-US" dirty="0" err="1"/>
-              <a:t>emitdeclarations</a:t>
-            </a:r>
-            <a:endParaRPr lang="en-US" dirty="0"/>
-          </a:p>
-          <a:p>
-            <a:pPr lvl="1"/>
-            <a:r>
-              <a:rPr lang="en-US" dirty="0"/>
-              <a:t>Strict null checks  nullable types</a:t>
-            </a:r>
-          </a:p>
-          <a:p>
-            <a:pPr lvl="1"/>
-            <a:r>
-              <a:rPr lang="en-US" dirty="0" err="1"/>
-              <a:t>Typecersion</a:t>
-            </a:r>
-            <a:endParaRPr lang="en-US" dirty="0"/>
-          </a:p>
-          <a:p>
-            <a:pPr lvl="1"/>
-            <a:r>
-              <a:rPr lang="en-US" dirty="0" err="1"/>
-              <a:t>Preserveconstenum</a:t>
-            </a:r>
-            <a:endParaRPr lang="en-US" dirty="0"/>
-          </a:p>
-          <a:p>
-            <a:pPr lvl="1"/>
-            <a:r>
-              <a:rPr lang="en-US" dirty="0" err="1"/>
-              <a:t>Supressexcessproperty</a:t>
-            </a:r>
-            <a:r>
-              <a:rPr lang="en-US" dirty="0"/>
-              <a:t> errors</a:t>
-            </a:r>
           </a:p>
           <a:p>
             <a:r>
@@ -4674,36 +4576,6 @@
               <a:t>TSLint</a:t>
             </a:r>
             <a:endParaRPr lang="en-US" dirty="0"/>
-          </a:p>
-          <a:p>
-            <a:r>
-              <a:rPr lang="en-US" dirty="0"/>
-              <a:t>Lint type check (</a:t>
-            </a:r>
-            <a:r>
-              <a:rPr lang="en-US" dirty="0" err="1"/>
-              <a:t>noununused</a:t>
-            </a:r>
-            <a:r>
-              <a:rPr lang="en-US" dirty="0"/>
-              <a:t> </a:t>
-            </a:r>
-            <a:r>
-              <a:rPr lang="en-US" dirty="0" err="1"/>
-              <a:t>params</a:t>
-            </a:r>
-            <a:r>
-              <a:rPr lang="en-US" dirty="0"/>
-              <a:t>, </a:t>
-            </a:r>
-            <a:r>
-              <a:rPr lang="en-US" dirty="0" err="1"/>
-              <a:t>etc</a:t>
-            </a:r>
-            <a:r>
-              <a:rPr lang="en-US" dirty="0"/>
-              <a:t>)</a:t>
-            </a:r>
           </a:p>
           <a:p>
             <a:pPr marL="0" indent="0">

--- a/Hidden Gems In TypeScript.pptx
+++ b/Hidden Gems In TypeScript.pptx
@@ -4152,15 +4152,15 @@
           <a:p>
             <a:pPr lvl="1"/>
             <a:r>
-              <a:rPr lang="en-US" dirty="0" err="1"/>
-              <a:t>tsc</a:t>
-            </a:r>
-            <a:r>
-              <a:rPr lang="en-US" dirty="0"/>
-              <a:t> </a:t>
-            </a:r>
-            <a:r>
-              <a:rPr lang="en-US" dirty="0" err="1"/>
+              <a:rPr lang="en-US" dirty="0" err="1" smtClean="0"/>
+              <a:t>Tsc</a:t>
+            </a:r>
+            <a:r>
+              <a:rPr lang="en-US" dirty="0" smtClean="0"/>
+              <a:t> --</a:t>
+            </a:r>
+            <a:r>
+              <a:rPr lang="en-US" dirty="0" err="1" smtClean="0"/>
               <a:t>init</a:t>
             </a:r>
             <a:endParaRPr lang="en-US" dirty="0"/>

--- a/Hidden Gems In TypeScript.pptx
+++ b/Hidden Gems In TypeScript.pptx
@@ -5,7 +5,7 @@
     <p:sldMasterId id="2147483648" r:id="rId1"/>
   </p:sldMasterIdLst>
   <p:notesMasterIdLst>
-    <p:notesMasterId r:id="rId7"/>
+    <p:notesMasterId r:id="rId14"/>
   </p:notesMasterIdLst>
   <p:sldIdLst>
     <p:sldId id="256" r:id="rId2"/>
@@ -13,6 +13,13 @@
     <p:sldId id="260" r:id="rId4"/>
     <p:sldId id="261" r:id="rId5"/>
     <p:sldId id="259" r:id="rId6"/>
+    <p:sldId id="262" r:id="rId7"/>
+    <p:sldId id="263" r:id="rId8"/>
+    <p:sldId id="264" r:id="rId9"/>
+    <p:sldId id="265" r:id="rId10"/>
+    <p:sldId id="267" r:id="rId11"/>
+    <p:sldId id="268" r:id="rId12"/>
+    <p:sldId id="266" r:id="rId13"/>
   </p:sldIdLst>
   <p:sldSz cx="12192000" cy="6858000"/>
   <p:notesSz cx="6858000" cy="9144000"/>
@@ -610,66 +617,34 @@
         </p:nvSpPr>
         <p:spPr>
           <a:xfrm>
-            <a:off x="1524001" y="6356350"/>
-            <a:ext cx="4114800" cy="365125"/>
+            <a:off x="1524000" y="6356350"/>
+            <a:ext cx="9143999" cy="365125"/>
           </a:xfrm>
           <a:prstGeom prst="rect">
             <a:avLst/>
           </a:prstGeom>
         </p:spPr>
         <p:txBody>
-          <a:bodyPr/>
+          <a:bodyPr numCol="2"/>
           <a:lstStyle>
-            <a:lvl1pPr>
+            <a:lvl1pPr algn="just">
               <a:defRPr sz="2400"/>
             </a:lvl1pPr>
           </a:lstStyle>
           <a:p>
-            <a:pPr algn="l"/>
-            <a:r>
-              <a:rPr lang="en-US" dirty="0"/>
-              <a:t>@jacobladams</a:t>
-            </a:r>
-          </a:p>
-        </p:txBody>
-      </p:sp>
-      <p:sp>
-        <p:nvSpPr>
-          <p:cNvPr id="6" name="Slide Number Placeholder 5">
-            <a:extLst>
-              <a:ext uri="{FF2B5EF4-FFF2-40B4-BE49-F238E27FC236}">
-                <a16:creationId xmlns:a16="http://schemas.microsoft.com/office/drawing/2014/main" id="{59C63037-C4C4-4E21-840E-9DCD0AD95652}"/>
-              </a:ext>
-            </a:extLst>
-          </p:cNvPr>
-          <p:cNvSpPr>
-            <a:spLocks noGrp="1"/>
-          </p:cNvSpPr>
-          <p:nvPr>
-            <p:ph type="sldNum" sz="quarter" idx="12"/>
-          </p:nvPr>
-        </p:nvSpPr>
-        <p:spPr>
-          <a:xfrm>
-            <a:off x="6553199" y="6356349"/>
-            <a:ext cx="4114800" cy="365125"/>
-          </a:xfrm>
-          <a:prstGeom prst="rect">
-            <a:avLst/>
-          </a:prstGeom>
-        </p:spPr>
-        <p:txBody>
-          <a:bodyPr/>
-          <a:lstStyle>
-            <a:lvl1pPr>
-              <a:defRPr sz="2400"/>
-            </a:lvl1pPr>
-          </a:lstStyle>
-          <a:p>
-            <a:r>
-              <a:rPr lang="en-US" dirty="0"/>
-              <a:t>http://bit.ly/something</a:t>
-            </a:r>
+            <a:r>
+              <a:rPr lang="en-US" dirty="0" smtClean="0"/>
+              <a:t>@</a:t>
+            </a:r>
+            <a:r>
+              <a:rPr lang="en-US" dirty="0" err="1" smtClean="0"/>
+              <a:t>jacobladams</a:t>
+            </a:r>
+            <a:r>
+              <a:rPr lang="en-US" dirty="0" smtClean="0"/>
+              <a:t>          http://bit.ly/jaketsgems</a:t>
+            </a:r>
+            <a:endParaRPr lang="en-US" dirty="0"/>
           </a:p>
         </p:txBody>
       </p:sp>
@@ -817,10 +792,6 @@
           <a:bodyPr/>
           <a:lstStyle/>
           <a:p>
-            <a:fld id="{09E89B35-858D-44FC-B0FF-296FECF6D9AD}" type="datetime1">
-              <a:rPr lang="en-US" smtClean="0"/>
-              <a:t>10/4/2018</a:t>
-            </a:fld>
             <a:endParaRPr lang="en-US"/>
           </a:p>
         </p:txBody>
@@ -855,9 +826,10 @@
           <a:lstStyle/>
           <a:p>
             <a:r>
-              <a:rPr lang="en-US"/>
-              <a:t>@jacobladams</a:t>
-            </a:r>
+              <a:rPr lang="en-US" smtClean="0"/>
+              <a:t>@jacobladams          http://bit.ly/jaketsgems</a:t>
+            </a:r>
+            <a:endParaRPr lang="en-US"/>
           </a:p>
         </p:txBody>
       </p:sp>
@@ -1052,10 +1024,6 @@
           <a:bodyPr/>
           <a:lstStyle/>
           <a:p>
-            <a:fld id="{A7E54386-DDB6-4DEE-BAF1-CB065F2F271C}" type="datetime1">
-              <a:rPr lang="en-US" smtClean="0"/>
-              <a:t>10/4/2018</a:t>
-            </a:fld>
             <a:endParaRPr lang="en-US"/>
           </a:p>
         </p:txBody>
@@ -1090,9 +1058,10 @@
           <a:lstStyle/>
           <a:p>
             <a:r>
-              <a:rPr lang="en-US"/>
-              <a:t>@jacobladams</a:t>
-            </a:r>
+              <a:rPr lang="en-US" smtClean="0"/>
+              <a:t>@jacobladams          http://bit.ly/jaketsgems</a:t>
+            </a:r>
+            <a:endParaRPr lang="en-US"/>
           </a:p>
         </p:txBody>
       </p:sp>
@@ -1250,110 +1219,37 @@
       </p:sp>
       <p:sp>
         <p:nvSpPr>
-          <p:cNvPr id="4" name="Date Placeholder 3">
-            <a:extLst>
-              <a:ext uri="{FF2B5EF4-FFF2-40B4-BE49-F238E27FC236}">
-                <a16:creationId xmlns:a16="http://schemas.microsoft.com/office/drawing/2014/main" id="{D6E36B92-9C87-443B-BB0D-EFA8C8C040CD}"/>
-              </a:ext>
-            </a:extLst>
-          </p:cNvPr>
-          <p:cNvSpPr>
-            <a:spLocks noGrp="1"/>
-          </p:cNvSpPr>
-          <p:nvPr>
-            <p:ph type="dt" sz="half" idx="10"/>
+          <p:cNvPr id="5" name="Footer Placeholder 4">
+            <a:extLst>
+              <a:ext uri="{FF2B5EF4-FFF2-40B4-BE49-F238E27FC236}">
+                <a16:creationId xmlns:a16="http://schemas.microsoft.com/office/drawing/2014/main" id="{436B484A-F935-4FCF-9106-BF9E45BB2AFE}"/>
+              </a:ext>
+            </a:extLst>
+          </p:cNvPr>
+          <p:cNvSpPr>
+            <a:spLocks noGrp="1"/>
+          </p:cNvSpPr>
+          <p:nvPr>
+            <p:ph type="ftr" sz="quarter" idx="11"/>
           </p:nvPr>
         </p:nvSpPr>
         <p:spPr>
           <a:xfrm>
             <a:off x="838200" y="6356350"/>
-            <a:ext cx="2743200" cy="365125"/>
+            <a:ext cx="10515600" cy="365125"/>
           </a:xfrm>
           <a:prstGeom prst="rect">
             <a:avLst/>
           </a:prstGeom>
         </p:spPr>
         <p:txBody>
-          <a:bodyPr/>
-          <a:lstStyle/>
-          <a:p>
-            <a:fld id="{5297A3C6-2CF3-4A02-8987-FDD5E47B3AEC}" type="datetime1">
+          <a:bodyPr numCol="2"/>
+          <a:lstStyle/>
+          <a:p>
+            <a:r>
               <a:rPr lang="en-US" smtClean="0"/>
-              <a:t>10/4/2018</a:t>
-            </a:fld>
-            <a:endParaRPr lang="en-US"/>
-          </a:p>
-        </p:txBody>
-      </p:sp>
-      <p:sp>
-        <p:nvSpPr>
-          <p:cNvPr id="5" name="Footer Placeholder 4">
-            <a:extLst>
-              <a:ext uri="{FF2B5EF4-FFF2-40B4-BE49-F238E27FC236}">
-                <a16:creationId xmlns:a16="http://schemas.microsoft.com/office/drawing/2014/main" id="{436B484A-F935-4FCF-9106-BF9E45BB2AFE}"/>
-              </a:ext>
-            </a:extLst>
-          </p:cNvPr>
-          <p:cNvSpPr>
-            <a:spLocks noGrp="1"/>
-          </p:cNvSpPr>
-          <p:nvPr>
-            <p:ph type="ftr" sz="quarter" idx="11"/>
-          </p:nvPr>
-        </p:nvSpPr>
-        <p:spPr>
-          <a:xfrm>
-            <a:off x="4038600" y="6356350"/>
-            <a:ext cx="4114800" cy="365125"/>
-          </a:xfrm>
-          <a:prstGeom prst="rect">
-            <a:avLst/>
-          </a:prstGeom>
-        </p:spPr>
-        <p:txBody>
-          <a:bodyPr/>
-          <a:lstStyle/>
-          <a:p>
-            <a:r>
-              <a:rPr lang="en-US"/>
-              <a:t>@jacobladams</a:t>
-            </a:r>
-          </a:p>
-        </p:txBody>
-      </p:sp>
-      <p:sp>
-        <p:nvSpPr>
-          <p:cNvPr id="6" name="Slide Number Placeholder 5">
-            <a:extLst>
-              <a:ext uri="{FF2B5EF4-FFF2-40B4-BE49-F238E27FC236}">
-                <a16:creationId xmlns:a16="http://schemas.microsoft.com/office/drawing/2014/main" id="{9427E0CA-833E-48E7-8C26-D18E64E95758}"/>
-              </a:ext>
-            </a:extLst>
-          </p:cNvPr>
-          <p:cNvSpPr>
-            <a:spLocks noGrp="1"/>
-          </p:cNvSpPr>
-          <p:nvPr>
-            <p:ph type="sldNum" sz="quarter" idx="12"/>
-          </p:nvPr>
-        </p:nvSpPr>
-        <p:spPr>
-          <a:xfrm>
-            <a:off x="8610600" y="6356350"/>
-            <a:ext cx="2743200" cy="365125"/>
-          </a:xfrm>
-          <a:prstGeom prst="rect">
-            <a:avLst/>
-          </a:prstGeom>
-        </p:spPr>
-        <p:txBody>
-          <a:bodyPr/>
-          <a:lstStyle/>
-          <a:p>
-            <a:fld id="{DD5C172B-9568-46F8-9C9F-5C05A091FD31}" type="slidenum">
-              <a:rPr lang="en-US" smtClean="0"/>
-              <a:t>‹#›</a:t>
-            </a:fld>
+              <a:t>@jacobladams          http://bit.ly/jaketsgems</a:t>
+            </a:r>
             <a:endParaRPr lang="en-US"/>
           </a:p>
         </p:txBody>
@@ -1566,44 +1462,20 @@
             <p:ph type="ftr" sz="quarter" idx="10"/>
           </p:nvPr>
         </p:nvSpPr>
-        <p:spPr/>
-        <p:txBody>
-          <a:bodyPr/>
+        <p:spPr>
+          <a:xfrm>
+            <a:off x="838200" y="6311900"/>
+            <a:ext cx="10509250" cy="409575"/>
+          </a:xfrm>
+        </p:spPr>
+        <p:txBody>
+          <a:bodyPr numCol="2"/>
           <a:lstStyle/>
           <a:p>
             <a:pPr algn="l"/>
             <a:r>
-              <a:rPr lang="en-US"/>
-              <a:t>@jacobladams</a:t>
-            </a:r>
-            <a:endParaRPr lang="en-US" dirty="0"/>
-          </a:p>
-        </p:txBody>
-      </p:sp>
-      <p:sp>
-        <p:nvSpPr>
-          <p:cNvPr id="8" name="Slide Number Placeholder 7">
-            <a:extLst>
-              <a:ext uri="{FF2B5EF4-FFF2-40B4-BE49-F238E27FC236}">
-                <a16:creationId xmlns:a16="http://schemas.microsoft.com/office/drawing/2014/main" id="{3D0CB98E-2B60-4DA0-BBF2-C9F2C982CB83}"/>
-              </a:ext>
-            </a:extLst>
-          </p:cNvPr>
-          <p:cNvSpPr>
-            <a:spLocks noGrp="1"/>
-          </p:cNvSpPr>
-          <p:nvPr>
-            <p:ph type="sldNum" sz="quarter" idx="11"/>
-          </p:nvPr>
-        </p:nvSpPr>
-        <p:spPr/>
-        <p:txBody>
-          <a:bodyPr/>
-          <a:lstStyle/>
-          <a:p>
-            <a:r>
-              <a:rPr lang="en-US"/>
-              <a:t>http://bit.ly/something</a:t>
+              <a:rPr lang="en-US" smtClean="0"/>
+              <a:t>@jacobladams          http://bit.ly/jaketsgems</a:t>
             </a:r>
             <a:endParaRPr lang="en-US" dirty="0"/>
           </a:p>
@@ -1814,8 +1686,8 @@
           <a:p>
             <a:pPr algn="l"/>
             <a:r>
-              <a:rPr lang="en-US"/>
-              <a:t>@jacobladams</a:t>
+              <a:rPr lang="en-US" smtClean="0"/>
+              <a:t>@jacobladams          http://bit.ly/jaketsgems</a:t>
             </a:r>
             <a:endParaRPr lang="en-US" dirty="0"/>
           </a:p>
@@ -2195,44 +2067,20 @@
             <p:ph type="ftr" sz="quarter" idx="10"/>
           </p:nvPr>
         </p:nvSpPr>
-        <p:spPr/>
-        <p:txBody>
-          <a:bodyPr/>
+        <p:spPr>
+          <a:xfrm>
+            <a:off x="838200" y="6311900"/>
+            <a:ext cx="10517188" cy="409575"/>
+          </a:xfrm>
+        </p:spPr>
+        <p:txBody>
+          <a:bodyPr numCol="2"/>
           <a:lstStyle/>
           <a:p>
             <a:pPr algn="l"/>
             <a:r>
-              <a:rPr lang="en-US"/>
-              <a:t>@jacobladams</a:t>
-            </a:r>
-            <a:endParaRPr lang="en-US" dirty="0"/>
-          </a:p>
-        </p:txBody>
-      </p:sp>
-      <p:sp>
-        <p:nvSpPr>
-          <p:cNvPr id="11" name="Slide Number Placeholder 10">
-            <a:extLst>
-              <a:ext uri="{FF2B5EF4-FFF2-40B4-BE49-F238E27FC236}">
-                <a16:creationId xmlns:a16="http://schemas.microsoft.com/office/drawing/2014/main" id="{3A4E911B-E362-467E-92B2-8015F8E0C21C}"/>
-              </a:ext>
-            </a:extLst>
-          </p:cNvPr>
-          <p:cNvSpPr>
-            <a:spLocks noGrp="1"/>
-          </p:cNvSpPr>
-          <p:nvPr>
-            <p:ph type="sldNum" sz="quarter" idx="11"/>
-          </p:nvPr>
-        </p:nvSpPr>
-        <p:spPr/>
-        <p:txBody>
-          <a:bodyPr/>
-          <a:lstStyle/>
-          <a:p>
-            <a:r>
-              <a:rPr lang="en-US"/>
-              <a:t>http://bit.ly/something</a:t>
+              <a:rPr lang="en-US" smtClean="0"/>
+              <a:t>@jacobladams          http://bit.ly/jaketsgems</a:t>
             </a:r>
             <a:endParaRPr lang="en-US" dirty="0"/>
           </a:p>
@@ -2298,111 +2146,46 @@
       </p:sp>
       <p:sp>
         <p:nvSpPr>
-          <p:cNvPr id="3" name="Date Placeholder 2">
-            <a:extLst>
-              <a:ext uri="{FF2B5EF4-FFF2-40B4-BE49-F238E27FC236}">
-                <a16:creationId xmlns:a16="http://schemas.microsoft.com/office/drawing/2014/main" id="{3F198F83-7DA3-43A4-ABFC-34B6F01DB431}"/>
-              </a:ext>
-            </a:extLst>
-          </p:cNvPr>
-          <p:cNvSpPr>
-            <a:spLocks noGrp="1"/>
-          </p:cNvSpPr>
-          <p:nvPr>
-            <p:ph type="dt" sz="half" idx="10"/>
+          <p:cNvPr id="4" name="Footer Placeholder 3">
+            <a:extLst>
+              <a:ext uri="{FF2B5EF4-FFF2-40B4-BE49-F238E27FC236}">
+                <a16:creationId xmlns:a16="http://schemas.microsoft.com/office/drawing/2014/main" id="{8281829F-FC3D-4F6B-BF83-A7B1FF67C072}"/>
+              </a:ext>
+            </a:extLst>
+          </p:cNvPr>
+          <p:cNvSpPr>
+            <a:spLocks noGrp="1"/>
+          </p:cNvSpPr>
+          <p:nvPr>
+            <p:ph type="ftr" sz="quarter" idx="11"/>
           </p:nvPr>
         </p:nvSpPr>
         <p:spPr>
           <a:xfrm>
             <a:off x="838200" y="6356350"/>
-            <a:ext cx="2743200" cy="365125"/>
+            <a:ext cx="10515600" cy="365125"/>
           </a:xfrm>
           <a:prstGeom prst="rect">
             <a:avLst/>
           </a:prstGeom>
         </p:spPr>
         <p:txBody>
-          <a:bodyPr/>
-          <a:lstStyle/>
-          <a:p>
-            <a:fld id="{16E465B5-D23F-42CD-B362-134DB019A177}" type="datetime1">
-              <a:rPr lang="en-US" smtClean="0"/>
-              <a:t>10/4/2018</a:t>
-            </a:fld>
-            <a:endParaRPr lang="en-US"/>
-          </a:p>
-        </p:txBody>
-      </p:sp>
-      <p:sp>
-        <p:nvSpPr>
-          <p:cNvPr id="4" name="Footer Placeholder 3">
-            <a:extLst>
-              <a:ext uri="{FF2B5EF4-FFF2-40B4-BE49-F238E27FC236}">
-                <a16:creationId xmlns:a16="http://schemas.microsoft.com/office/drawing/2014/main" id="{8281829F-FC3D-4F6B-BF83-A7B1FF67C072}"/>
-              </a:ext>
-            </a:extLst>
-          </p:cNvPr>
-          <p:cNvSpPr>
-            <a:spLocks noGrp="1"/>
-          </p:cNvSpPr>
-          <p:nvPr>
-            <p:ph type="ftr" sz="quarter" idx="11"/>
-          </p:nvPr>
-        </p:nvSpPr>
-        <p:spPr>
-          <a:xfrm>
-            <a:off x="4038600" y="6356350"/>
-            <a:ext cx="4114800" cy="365125"/>
-          </a:xfrm>
-          <a:prstGeom prst="rect">
-            <a:avLst/>
-          </a:prstGeom>
-        </p:spPr>
-        <p:txBody>
-          <a:bodyPr/>
-          <a:lstStyle/>
-          <a:p>
-            <a:r>
-              <a:rPr lang="en-US"/>
-              <a:t>@jacobladams</a:t>
-            </a:r>
-          </a:p>
-        </p:txBody>
-      </p:sp>
-      <p:sp>
-        <p:nvSpPr>
-          <p:cNvPr id="5" name="Slide Number Placeholder 4">
-            <a:extLst>
-              <a:ext uri="{FF2B5EF4-FFF2-40B4-BE49-F238E27FC236}">
-                <a16:creationId xmlns:a16="http://schemas.microsoft.com/office/drawing/2014/main" id="{E1D9B8DD-BE5B-4939-A6AA-2BC4EBFCB93E}"/>
-              </a:ext>
-            </a:extLst>
-          </p:cNvPr>
-          <p:cNvSpPr>
-            <a:spLocks noGrp="1"/>
-          </p:cNvSpPr>
-          <p:nvPr>
-            <p:ph type="sldNum" sz="quarter" idx="12"/>
-          </p:nvPr>
-        </p:nvSpPr>
-        <p:spPr>
-          <a:xfrm>
-            <a:off x="8610600" y="6356350"/>
-            <a:ext cx="2743200" cy="365125"/>
-          </a:xfrm>
-          <a:prstGeom prst="rect">
-            <a:avLst/>
-          </a:prstGeom>
-        </p:spPr>
-        <p:txBody>
-          <a:bodyPr/>
-          <a:lstStyle/>
-          <a:p>
-            <a:fld id="{DD5C172B-9568-46F8-9C9F-5C05A091FD31}" type="slidenum">
-              <a:rPr lang="en-US" smtClean="0"/>
-              <a:t>‹#›</a:t>
-            </a:fld>
-            <a:endParaRPr lang="en-US"/>
+          <a:bodyPr numCol="2"/>
+          <a:lstStyle/>
+          <a:p>
+            <a:r>
+              <a:rPr lang="en-US" dirty="0" smtClean="0"/>
+              <a:t>@</a:t>
+            </a:r>
+            <a:r>
+              <a:rPr lang="en-US" dirty="0" err="1" smtClean="0"/>
+              <a:t>jacobladams</a:t>
+            </a:r>
+            <a:r>
+              <a:rPr lang="en-US" dirty="0" smtClean="0"/>
+              <a:t>          http://bit.ly/jaketsgems</a:t>
+            </a:r>
+            <a:endParaRPr lang="en-US" dirty="0"/>
           </a:p>
         </p:txBody>
       </p:sp>
@@ -2465,10 +2248,6 @@
           <a:bodyPr/>
           <a:lstStyle/>
           <a:p>
-            <a:fld id="{4F5CD042-CC63-4CEB-9149-7287EC020D24}" type="datetime1">
-              <a:rPr lang="en-US" smtClean="0"/>
-              <a:t>10/4/2018</a:t>
-            </a:fld>
             <a:endParaRPr lang="en-US"/>
           </a:p>
         </p:txBody>
@@ -2503,9 +2282,10 @@
           <a:lstStyle/>
           <a:p>
             <a:r>
-              <a:rPr lang="en-US"/>
-              <a:t>@jacobladams</a:t>
-            </a:r>
+              <a:rPr lang="en-US" smtClean="0"/>
+              <a:t>@jacobladams          http://bit.ly/jaketsgems</a:t>
+            </a:r>
+            <a:endParaRPr lang="en-US"/>
           </a:p>
         </p:txBody>
       </p:sp>
@@ -2803,10 +2583,6 @@
           <a:bodyPr/>
           <a:lstStyle/>
           <a:p>
-            <a:fld id="{AF571D4C-1B59-4045-ADFA-F0468C763AE7}" type="datetime1">
-              <a:rPr lang="en-US" smtClean="0"/>
-              <a:t>10/4/2018</a:t>
-            </a:fld>
             <a:endParaRPr lang="en-US"/>
           </a:p>
         </p:txBody>
@@ -2841,9 +2617,10 @@
           <a:lstStyle/>
           <a:p>
             <a:r>
-              <a:rPr lang="en-US"/>
-              <a:t>@jacobladams</a:t>
-            </a:r>
+              <a:rPr lang="en-US" smtClean="0"/>
+              <a:t>@jacobladams          http://bit.ly/jaketsgems</a:t>
+            </a:r>
+            <a:endParaRPr lang="en-US"/>
           </a:p>
         </p:txBody>
       </p:sp>
@@ -3118,10 +2895,6 @@
           <a:bodyPr/>
           <a:lstStyle/>
           <a:p>
-            <a:fld id="{FE29AFC2-9359-4A5D-BDB9-91597F315D10}" type="datetime1">
-              <a:rPr lang="en-US" smtClean="0"/>
-              <a:t>10/4/2018</a:t>
-            </a:fld>
             <a:endParaRPr lang="en-US"/>
           </a:p>
         </p:txBody>
@@ -3156,9 +2929,10 @@
           <a:lstStyle/>
           <a:p>
             <a:r>
-              <a:rPr lang="en-US"/>
-              <a:t>@jacobladams</a:t>
-            </a:r>
+              <a:rPr lang="en-US" smtClean="0"/>
+              <a:t>@jacobladams          http://bit.ly/jaketsgems</a:t>
+            </a:r>
+            <a:endParaRPr lang="en-US"/>
           </a:p>
         </p:txBody>
       </p:sp>
@@ -3374,9 +3148,10 @@
           <a:p>
             <a:pPr algn="l"/>
             <a:r>
-              <a:rPr lang="en-US" dirty="0"/>
-              <a:t>@jacobladams</a:t>
-            </a:r>
+              <a:rPr lang="en-US" smtClean="0"/>
+              <a:t>@jacobladams          http://bit.ly/jaketsgems</a:t>
+            </a:r>
+            <a:endParaRPr lang="en-US" dirty="0"/>
           </a:p>
         </p:txBody>
       </p:sp>
@@ -3822,8 +3597,8 @@
           <a:p>
             <a:pPr algn="l"/>
             <a:r>
-              <a:rPr lang="en-US"/>
-              <a:t>@jacobladams</a:t>
+              <a:rPr lang="en-US" smtClean="0"/>
+              <a:t>@jacobladams          http://bit.ly/jaketsgems</a:t>
             </a:r>
             <a:endParaRPr lang="en-US" dirty="0"/>
           </a:p>
@@ -3833,6 +3608,581 @@
     <p:extLst>
       <p:ext uri="{BB962C8B-B14F-4D97-AF65-F5344CB8AC3E}">
         <p14:creationId xmlns:p14="http://schemas.microsoft.com/office/powerpoint/2010/main" val="1412945733"/>
+      </p:ext>
+    </p:extLst>
+  </p:cSld>
+  <p:clrMapOvr>
+    <a:masterClrMapping/>
+  </p:clrMapOvr>
+</p:sld>
+</file>
+
+<file path=ppt/slides/slide10.xml><?xml version="1.0" encoding="utf-8"?>
+<p:sld xmlns:a="http://schemas.openxmlformats.org/drawingml/2006/main" xmlns:r="http://schemas.openxmlformats.org/officeDocument/2006/relationships" xmlns:p="http://schemas.openxmlformats.org/presentationml/2006/main">
+  <p:cSld>
+    <p:spTree>
+      <p:nvGrpSpPr>
+        <p:cNvPr id="1" name=""/>
+        <p:cNvGrpSpPr/>
+        <p:nvPr/>
+      </p:nvGrpSpPr>
+      <p:grpSpPr>
+        <a:xfrm>
+          <a:off x="0" y="0"/>
+          <a:ext cx="0" cy="0"/>
+          <a:chOff x="0" y="0"/>
+          <a:chExt cx="0" cy="0"/>
+        </a:xfrm>
+      </p:grpSpPr>
+      <p:sp>
+        <p:nvSpPr>
+          <p:cNvPr id="2" name="Title 1"/>
+          <p:cNvSpPr>
+            <a:spLocks noGrp="1"/>
+          </p:cNvSpPr>
+          <p:nvPr>
+            <p:ph type="title"/>
+          </p:nvPr>
+        </p:nvSpPr>
+        <p:spPr/>
+        <p:txBody>
+          <a:bodyPr/>
+          <a:lstStyle/>
+          <a:p>
+            <a:r>
+              <a:rPr lang="en-US" dirty="0"/>
+              <a:t>declaration / </a:t>
+            </a:r>
+            <a:r>
+              <a:rPr lang="en-US" dirty="0" err="1" smtClean="0"/>
+              <a:t>emitDeclarationsOnly</a:t>
+            </a:r>
+            <a:endParaRPr lang="en-US" dirty="0"/>
+          </a:p>
+        </p:txBody>
+      </p:sp>
+      <p:sp>
+        <p:nvSpPr>
+          <p:cNvPr id="3" name="Content Placeholder 2"/>
+          <p:cNvSpPr>
+            <a:spLocks noGrp="1"/>
+          </p:cNvSpPr>
+          <p:nvPr>
+            <p:ph idx="1"/>
+          </p:nvPr>
+        </p:nvSpPr>
+        <p:spPr/>
+        <p:txBody>
+          <a:bodyPr>
+            <a:normAutofit lnSpcReduction="10000"/>
+          </a:bodyPr>
+          <a:lstStyle/>
+          <a:p>
+            <a:pPr marL="0" indent="0">
+              <a:buNone/>
+            </a:pPr>
+            <a:r>
+              <a:rPr lang="en-US" dirty="0"/>
+              <a:t>{</a:t>
+            </a:r>
+          </a:p>
+          <a:p>
+            <a:pPr marL="0" indent="0">
+              <a:buNone/>
+            </a:pPr>
+            <a:r>
+              <a:rPr lang="en-US" dirty="0"/>
+              <a:t>    "</a:t>
+            </a:r>
+            <a:r>
+              <a:rPr lang="en-US" dirty="0" err="1"/>
+              <a:t>compilerOptions</a:t>
+            </a:r>
+            <a:r>
+              <a:rPr lang="en-US" dirty="0"/>
+              <a:t>": {</a:t>
+            </a:r>
+          </a:p>
+          <a:p>
+            <a:pPr marL="0" indent="0">
+              <a:buNone/>
+            </a:pPr>
+            <a:r>
+              <a:rPr lang="en-US" dirty="0"/>
+              <a:t>        "</a:t>
+            </a:r>
+            <a:r>
+              <a:rPr lang="en-US" dirty="0" smtClean="0"/>
+              <a:t>declaration": true,</a:t>
+            </a:r>
+          </a:p>
+          <a:p>
+            <a:pPr marL="0" indent="0">
+              <a:buNone/>
+            </a:pPr>
+            <a:r>
+              <a:rPr lang="en-US" dirty="0"/>
+              <a:t> </a:t>
+            </a:r>
+            <a:r>
+              <a:rPr lang="en-US" dirty="0" smtClean="0"/>
+              <a:t>       “</a:t>
+            </a:r>
+            <a:r>
+              <a:rPr lang="en-US" dirty="0" err="1" smtClean="0"/>
+              <a:t>emitDeclarationsOnly</a:t>
+            </a:r>
+            <a:r>
+              <a:rPr lang="en-US" dirty="0" smtClean="0"/>
+              <a:t>": </a:t>
+            </a:r>
+            <a:r>
+              <a:rPr lang="en-US" dirty="0"/>
+              <a:t>true</a:t>
+            </a:r>
+            <a:r>
+              <a:rPr lang="en-US" dirty="0" smtClean="0"/>
+              <a:t>,</a:t>
+            </a:r>
+            <a:endParaRPr lang="en-US" dirty="0"/>
+          </a:p>
+          <a:p>
+            <a:pPr marL="0" indent="0">
+              <a:buNone/>
+            </a:pPr>
+            <a:r>
+              <a:rPr lang="en-US" dirty="0"/>
+              <a:t>    }</a:t>
+            </a:r>
+          </a:p>
+          <a:p>
+            <a:pPr marL="0" indent="0">
+              <a:buNone/>
+            </a:pPr>
+            <a:r>
+              <a:rPr lang="en-US" dirty="0"/>
+              <a:t>}</a:t>
+            </a:r>
+          </a:p>
+          <a:p>
+            <a:pPr marL="0" indent="0">
+              <a:buNone/>
+            </a:pPr>
+            <a:endParaRPr lang="en-US" dirty="0"/>
+          </a:p>
+          <a:p>
+            <a:pPr marL="0" indent="0">
+              <a:buNone/>
+            </a:pPr>
+            <a:r>
+              <a:rPr lang="en-US" dirty="0" smtClean="0"/>
+              <a:t>Creates a .</a:t>
+            </a:r>
+            <a:r>
+              <a:rPr lang="en-US" dirty="0" err="1" smtClean="0"/>
+              <a:t>d.ts</a:t>
+            </a:r>
+            <a:r>
+              <a:rPr lang="en-US" dirty="0"/>
+              <a:t> </a:t>
+            </a:r>
+            <a:r>
+              <a:rPr lang="en-US" dirty="0" smtClean="0"/>
+              <a:t>file including interfaces and ambient types from your .</a:t>
+            </a:r>
+            <a:r>
+              <a:rPr lang="en-US" dirty="0" err="1" smtClean="0"/>
+              <a:t>ts</a:t>
+            </a:r>
+            <a:r>
+              <a:rPr lang="en-US" dirty="0" smtClean="0"/>
+              <a:t> files</a:t>
+            </a:r>
+            <a:endParaRPr lang="en-US" dirty="0"/>
+          </a:p>
+          <a:p>
+            <a:endParaRPr lang="en-US" dirty="0"/>
+          </a:p>
+        </p:txBody>
+      </p:sp>
+      <p:sp>
+        <p:nvSpPr>
+          <p:cNvPr id="4" name="Footer Placeholder 3"/>
+          <p:cNvSpPr>
+            <a:spLocks noGrp="1"/>
+          </p:cNvSpPr>
+          <p:nvPr>
+            <p:ph type="ftr" sz="quarter" idx="11"/>
+          </p:nvPr>
+        </p:nvSpPr>
+        <p:spPr/>
+        <p:txBody>
+          <a:bodyPr/>
+          <a:lstStyle/>
+          <a:p>
+            <a:r>
+              <a:rPr lang="en-US" smtClean="0"/>
+              <a:t>@jacobladams          http://bit.ly/jaketsgems</a:t>
+            </a:r>
+            <a:endParaRPr lang="en-US"/>
+          </a:p>
+        </p:txBody>
+      </p:sp>
+    </p:spTree>
+    <p:extLst>
+      <p:ext uri="{BB962C8B-B14F-4D97-AF65-F5344CB8AC3E}">
+        <p14:creationId xmlns:p14="http://schemas.microsoft.com/office/powerpoint/2010/main" val="3563021436"/>
+      </p:ext>
+    </p:extLst>
+  </p:cSld>
+  <p:clrMapOvr>
+    <a:masterClrMapping/>
+  </p:clrMapOvr>
+</p:sld>
+</file>
+
+<file path=ppt/slides/slide11.xml><?xml version="1.0" encoding="utf-8"?>
+<p:sld xmlns:a="http://schemas.openxmlformats.org/drawingml/2006/main" xmlns:r="http://schemas.openxmlformats.org/officeDocument/2006/relationships" xmlns:p="http://schemas.openxmlformats.org/presentationml/2006/main">
+  <p:cSld>
+    <p:spTree>
+      <p:nvGrpSpPr>
+        <p:cNvPr id="1" name=""/>
+        <p:cNvGrpSpPr/>
+        <p:nvPr/>
+      </p:nvGrpSpPr>
+      <p:grpSpPr>
+        <a:xfrm>
+          <a:off x="0" y="0"/>
+          <a:ext cx="0" cy="0"/>
+          <a:chOff x="0" y="0"/>
+          <a:chExt cx="0" cy="0"/>
+        </a:xfrm>
+      </p:grpSpPr>
+      <p:sp>
+        <p:nvSpPr>
+          <p:cNvPr id="2" name="Title 1"/>
+          <p:cNvSpPr>
+            <a:spLocks noGrp="1"/>
+          </p:cNvSpPr>
+          <p:nvPr>
+            <p:ph type="title"/>
+          </p:nvPr>
+        </p:nvSpPr>
+        <p:spPr/>
+        <p:txBody>
+          <a:bodyPr/>
+          <a:lstStyle/>
+          <a:p>
+            <a:r>
+              <a:rPr lang="en-US" dirty="0" err="1" smtClean="0"/>
+              <a:t>typeVersions</a:t>
+            </a:r>
+            <a:endParaRPr lang="en-US" dirty="0"/>
+          </a:p>
+        </p:txBody>
+      </p:sp>
+      <p:sp>
+        <p:nvSpPr>
+          <p:cNvPr id="3" name="Content Placeholder 2"/>
+          <p:cNvSpPr>
+            <a:spLocks noGrp="1"/>
+          </p:cNvSpPr>
+          <p:nvPr>
+            <p:ph idx="1"/>
+          </p:nvPr>
+        </p:nvSpPr>
+        <p:spPr/>
+        <p:txBody>
+          <a:bodyPr>
+            <a:normAutofit fontScale="62500" lnSpcReduction="20000"/>
+          </a:bodyPr>
+          <a:lstStyle/>
+          <a:p>
+            <a:pPr marL="0" indent="0">
+              <a:buNone/>
+            </a:pPr>
+            <a:r>
+              <a:rPr lang="en-US" dirty="0" err="1" smtClean="0"/>
+              <a:t>package.json</a:t>
+            </a:r>
+            <a:endParaRPr lang="en-US" dirty="0" smtClean="0"/>
+          </a:p>
+          <a:p>
+            <a:pPr marL="0" indent="0">
+              <a:buNone/>
+            </a:pPr>
+            <a:endParaRPr lang="en-US" dirty="0"/>
+          </a:p>
+          <a:p>
+            <a:pPr marL="0" indent="0">
+              <a:buNone/>
+            </a:pPr>
+            <a:r>
+              <a:rPr lang="en-US" dirty="0"/>
+              <a:t>{</a:t>
+            </a:r>
+          </a:p>
+          <a:p>
+            <a:pPr marL="0" indent="0">
+              <a:buNone/>
+            </a:pPr>
+            <a:r>
+              <a:rPr lang="en-US" dirty="0"/>
+              <a:t>  "name": "package-name",</a:t>
+            </a:r>
+          </a:p>
+          <a:p>
+            <a:pPr marL="0" indent="0">
+              <a:buNone/>
+            </a:pPr>
+            <a:r>
+              <a:rPr lang="en-US" dirty="0"/>
+              <a:t>  "version": "1.0",</a:t>
+            </a:r>
+          </a:p>
+          <a:p>
+            <a:pPr marL="0" indent="0">
+              <a:buNone/>
+            </a:pPr>
+            <a:r>
+              <a:rPr lang="en-US" dirty="0"/>
+              <a:t>  </a:t>
+            </a:r>
+            <a:r>
+              <a:rPr lang="en-US" dirty="0" smtClean="0"/>
+              <a:t>…</a:t>
+            </a:r>
+            <a:endParaRPr lang="en-US" dirty="0"/>
+          </a:p>
+          <a:p>
+            <a:pPr marL="0" indent="0">
+              <a:buNone/>
+            </a:pPr>
+            <a:r>
+              <a:rPr lang="en-US" dirty="0"/>
+              <a:t>  "</a:t>
+            </a:r>
+            <a:r>
+              <a:rPr lang="en-US" dirty="0" err="1"/>
+              <a:t>typesVersions</a:t>
+            </a:r>
+            <a:r>
+              <a:rPr lang="en-US" dirty="0"/>
+              <a:t>": {</a:t>
+            </a:r>
+          </a:p>
+          <a:p>
+            <a:pPr marL="0" indent="0">
+              <a:buNone/>
+            </a:pPr>
+            <a:r>
+              <a:rPr lang="en-US" dirty="0"/>
+              <a:t>    "&gt;=3.2": { "*": ["</a:t>
+            </a:r>
+            <a:r>
+              <a:rPr lang="en-US" dirty="0" err="1"/>
+              <a:t>ts3.2</a:t>
+            </a:r>
+            <a:r>
+              <a:rPr lang="en-US" dirty="0"/>
+              <a:t>/*"] },</a:t>
+            </a:r>
+          </a:p>
+          <a:p>
+            <a:pPr marL="0" indent="0">
+              <a:buNone/>
+            </a:pPr>
+            <a:r>
+              <a:rPr lang="en-US" dirty="0"/>
+              <a:t>    "&gt;=3.1": { "*": ["</a:t>
+            </a:r>
+            <a:r>
+              <a:rPr lang="en-US" dirty="0" err="1"/>
+              <a:t>ts3.1</a:t>
+            </a:r>
+            <a:r>
+              <a:rPr lang="en-US" dirty="0"/>
+              <a:t>/*"] }</a:t>
+            </a:r>
+          </a:p>
+          <a:p>
+            <a:pPr marL="0" indent="0">
+              <a:buNone/>
+            </a:pPr>
+            <a:r>
+              <a:rPr lang="en-US" dirty="0"/>
+              <a:t>  }</a:t>
+            </a:r>
+          </a:p>
+          <a:p>
+            <a:pPr marL="0" indent="0">
+              <a:buNone/>
+            </a:pPr>
+            <a:r>
+              <a:rPr lang="en-US" dirty="0" smtClean="0"/>
+              <a:t>}</a:t>
+            </a:r>
+          </a:p>
+          <a:p>
+            <a:pPr marL="0" indent="0">
+              <a:buNone/>
+            </a:pPr>
+            <a:endParaRPr lang="en-US" dirty="0"/>
+          </a:p>
+          <a:p>
+            <a:pPr marL="0" indent="0">
+              <a:buNone/>
+            </a:pPr>
+            <a:r>
+              <a:rPr lang="en-US" dirty="0" err="1" smtClean="0"/>
+              <a:t>Lets</a:t>
+            </a:r>
+            <a:r>
+              <a:rPr lang="en-US" dirty="0" smtClean="0"/>
+              <a:t> library authors target multiple versions of </a:t>
+            </a:r>
+            <a:r>
+              <a:rPr lang="en-US" dirty="0" err="1" smtClean="0"/>
+              <a:t>TypeScript</a:t>
+            </a:r>
+            <a:r>
+              <a:rPr lang="en-US" dirty="0" smtClean="0"/>
+              <a:t> (similar to </a:t>
+            </a:r>
+            <a:r>
+              <a:rPr lang="en-US" dirty="0" err="1" smtClean="0"/>
+              <a:t>NuGet</a:t>
+            </a:r>
+            <a:r>
+              <a:rPr lang="en-US" dirty="0" smtClean="0"/>
+              <a:t>)</a:t>
+            </a:r>
+            <a:endParaRPr lang="en-US" dirty="0"/>
+          </a:p>
+        </p:txBody>
+      </p:sp>
+      <p:sp>
+        <p:nvSpPr>
+          <p:cNvPr id="4" name="Footer Placeholder 3"/>
+          <p:cNvSpPr>
+            <a:spLocks noGrp="1"/>
+          </p:cNvSpPr>
+          <p:nvPr>
+            <p:ph type="ftr" sz="quarter" idx="11"/>
+          </p:nvPr>
+        </p:nvSpPr>
+        <p:spPr/>
+        <p:txBody>
+          <a:bodyPr/>
+          <a:lstStyle/>
+          <a:p>
+            <a:r>
+              <a:rPr lang="en-US" smtClean="0"/>
+              <a:t>@jacobladams          http://bit.ly/jaketsgems</a:t>
+            </a:r>
+            <a:endParaRPr lang="en-US"/>
+          </a:p>
+        </p:txBody>
+      </p:sp>
+    </p:spTree>
+    <p:extLst>
+      <p:ext uri="{BB962C8B-B14F-4D97-AF65-F5344CB8AC3E}">
+        <p14:creationId xmlns:p14="http://schemas.microsoft.com/office/powerpoint/2010/main" val="2211622084"/>
+      </p:ext>
+    </p:extLst>
+  </p:cSld>
+  <p:clrMapOvr>
+    <a:masterClrMapping/>
+  </p:clrMapOvr>
+</p:sld>
+</file>
+
+<file path=ppt/slides/slide12.xml><?xml version="1.0" encoding="utf-8"?>
+<p:sld xmlns:a="http://schemas.openxmlformats.org/drawingml/2006/main" xmlns:r="http://schemas.openxmlformats.org/officeDocument/2006/relationships" xmlns:p="http://schemas.openxmlformats.org/presentationml/2006/main">
+  <p:cSld>
+    <p:spTree>
+      <p:nvGrpSpPr>
+        <p:cNvPr id="1" name=""/>
+        <p:cNvGrpSpPr/>
+        <p:nvPr/>
+      </p:nvGrpSpPr>
+      <p:grpSpPr>
+        <a:xfrm>
+          <a:off x="0" y="0"/>
+          <a:ext cx="0" cy="0"/>
+          <a:chOff x="0" y="0"/>
+          <a:chExt cx="0" cy="0"/>
+        </a:xfrm>
+      </p:grpSpPr>
+      <p:sp>
+        <p:nvSpPr>
+          <p:cNvPr id="2" name="Title 1"/>
+          <p:cNvSpPr>
+            <a:spLocks noGrp="1"/>
+          </p:cNvSpPr>
+          <p:nvPr>
+            <p:ph type="title"/>
+          </p:nvPr>
+        </p:nvSpPr>
+        <p:spPr/>
+        <p:txBody>
+          <a:bodyPr/>
+          <a:lstStyle/>
+          <a:p>
+            <a:r>
+              <a:rPr lang="en-US" dirty="0" smtClean="0"/>
+              <a:t>Additional Resources / Questions</a:t>
+            </a:r>
+            <a:endParaRPr lang="en-US" dirty="0"/>
+          </a:p>
+        </p:txBody>
+      </p:sp>
+      <p:sp>
+        <p:nvSpPr>
+          <p:cNvPr id="3" name="Content Placeholder 2"/>
+          <p:cNvSpPr>
+            <a:spLocks noGrp="1"/>
+          </p:cNvSpPr>
+          <p:nvPr>
+            <p:ph idx="1"/>
+          </p:nvPr>
+        </p:nvSpPr>
+        <p:spPr/>
+        <p:txBody>
+          <a:bodyPr/>
+          <a:lstStyle/>
+          <a:p>
+            <a:endParaRPr lang="en-US" dirty="0"/>
+          </a:p>
+        </p:txBody>
+      </p:sp>
+      <p:sp>
+        <p:nvSpPr>
+          <p:cNvPr id="4" name="Footer Placeholder 3"/>
+          <p:cNvSpPr>
+            <a:spLocks noGrp="1"/>
+          </p:cNvSpPr>
+          <p:nvPr>
+            <p:ph type="ftr" sz="quarter" idx="11"/>
+          </p:nvPr>
+        </p:nvSpPr>
+        <p:spPr/>
+        <p:txBody>
+          <a:bodyPr/>
+          <a:lstStyle/>
+          <a:p>
+            <a:r>
+              <a:rPr lang="en-US" smtClean="0"/>
+              <a:t>@jacobladams          http://bit.ly/jaketsgems</a:t>
+            </a:r>
+            <a:endParaRPr lang="en-US"/>
+          </a:p>
+        </p:txBody>
+      </p:sp>
+    </p:spTree>
+    <p:extLst>
+      <p:ext uri="{BB962C8B-B14F-4D97-AF65-F5344CB8AC3E}">
+        <p14:creationId xmlns:p14="http://schemas.microsoft.com/office/powerpoint/2010/main" val="3359379946"/>
       </p:ext>
     </p:extLst>
   </p:cSld>
@@ -3916,8 +4266,26 @@
               <a:t>Jake </a:t>
             </a:r>
             <a:r>
-              <a:rPr lang="en-US" dirty="0"/>
+              <a:rPr lang="en-US" dirty="0" smtClean="0"/>
               <a:t>Adams</a:t>
+            </a:r>
+          </a:p>
+          <a:p>
+            <a:pPr marL="0" indent="0">
+              <a:buNone/>
+            </a:pPr>
+            <a:r>
+              <a:rPr lang="en-US" dirty="0" smtClean="0"/>
+              <a:t>Senior Software Architect</a:t>
+            </a:r>
+          </a:p>
+          <a:p>
+            <a:pPr marL="0" indent="0">
+              <a:buNone/>
+            </a:pPr>
+            <a:r>
+              <a:rPr lang="en-US" dirty="0" smtClean="0"/>
+              <a:t>Thompson Coburn LLP</a:t>
             </a:r>
           </a:p>
           <a:p>
@@ -3926,6 +4294,36 @@
             </a:pPr>
             <a:endParaRPr lang="en-US" dirty="0"/>
           </a:p>
+          <a:p>
+            <a:pPr marL="0" indent="0">
+              <a:buNone/>
+            </a:pPr>
+            <a:r>
+              <a:rPr lang="en-US" dirty="0" smtClean="0"/>
+              <a:t>twitter - @</a:t>
+            </a:r>
+            <a:r>
+              <a:rPr lang="en-US" dirty="0" err="1" smtClean="0"/>
+              <a:t>jacobladams</a:t>
+            </a:r>
+            <a:endParaRPr lang="en-US" dirty="0" smtClean="0"/>
+          </a:p>
+          <a:p>
+            <a:pPr marL="0" indent="0">
+              <a:buNone/>
+            </a:pPr>
+            <a:r>
+              <a:rPr lang="en-US" dirty="0" smtClean="0"/>
+              <a:t>http://github.com/jacobladams</a:t>
+            </a:r>
+            <a:endParaRPr lang="en-US" dirty="0"/>
+          </a:p>
+          <a:p>
+            <a:pPr marL="0" indent="0">
+              <a:buNone/>
+            </a:pPr>
+            <a:endParaRPr lang="en-US" dirty="0"/>
+          </a:p>
         </p:txBody>
       </p:sp>
       <p:sp>
@@ -3950,9 +4348,10 @@
           <a:lstStyle/>
           <a:p>
             <a:r>
-              <a:rPr lang="en-US" dirty="0"/>
-              <a:t>@jacobladams</a:t>
-            </a:r>
+              <a:rPr lang="en-US" smtClean="0"/>
+              <a:t>@jacobladams          http://bit.ly/jaketsgems</a:t>
+            </a:r>
+            <a:endParaRPr lang="en-US" dirty="0"/>
           </a:p>
         </p:txBody>
       </p:sp>
@@ -4033,7 +4432,7 @@
         <p:spPr/>
         <p:txBody>
           <a:bodyPr>
-            <a:normAutofit fontScale="47500" lnSpcReduction="20000"/>
+            <a:normAutofit fontScale="62500" lnSpcReduction="20000"/>
           </a:bodyPr>
           <a:lstStyle/>
           <a:p>
@@ -4085,22 +4484,33 @@
             <a:pPr lvl="1"/>
             <a:r>
               <a:rPr lang="en-US" dirty="0"/>
-              <a:t>Type Alias</a:t>
-            </a:r>
+              <a:t>Type </a:t>
+            </a:r>
+            <a:r>
+              <a:rPr lang="en-US" dirty="0" smtClean="0"/>
+              <a:t>Aliases</a:t>
+            </a:r>
+            <a:endParaRPr lang="en-US" dirty="0"/>
           </a:p>
           <a:p>
             <a:pPr lvl="1"/>
             <a:r>
               <a:rPr lang="en-US" dirty="0"/>
-              <a:t>Unknown type</a:t>
-            </a:r>
+              <a:t>Unknown </a:t>
+            </a:r>
+            <a:r>
+              <a:rPr lang="en-US" dirty="0" smtClean="0"/>
+              <a:t>Type</a:t>
+            </a:r>
+            <a:endParaRPr lang="en-US" dirty="0"/>
           </a:p>
           <a:p>
             <a:pPr lvl="1"/>
             <a:r>
-              <a:rPr lang="en-US" dirty="0"/>
-              <a:t>String literal type</a:t>
-            </a:r>
+              <a:rPr lang="en-US" dirty="0" smtClean="0"/>
+              <a:t>Literal Types</a:t>
+            </a:r>
+            <a:endParaRPr lang="en-US" dirty="0"/>
           </a:p>
           <a:p>
             <a:r>
@@ -4128,32 +4538,20 @@
           </a:p>
           <a:p>
             <a:r>
-              <a:rPr lang="en-US" dirty="0"/>
-              <a:t>ES 2015 Features</a:t>
-            </a:r>
+              <a:rPr lang="en-US" dirty="0" smtClean="0"/>
+              <a:t>Configuration</a:t>
+            </a:r>
+            <a:endParaRPr lang="en-US" dirty="0"/>
           </a:p>
           <a:p>
             <a:pPr lvl="1"/>
             <a:r>
-              <a:rPr lang="en-US" dirty="0" smtClean="0"/>
-              <a:t>Template </a:t>
-            </a:r>
-            <a:r>
-              <a:rPr lang="en-US" dirty="0"/>
-              <a:t>strings</a:t>
-            </a:r>
-          </a:p>
-          <a:p>
-            <a:r>
-              <a:rPr lang="en-US" dirty="0"/>
-              <a:t>Configuration</a:t>
-            </a:r>
-          </a:p>
-          <a:p>
-            <a:pPr lvl="1"/>
+              <a:rPr lang="en-US" dirty="0" err="1"/>
+              <a:t>t</a:t>
+            </a:r>
             <a:r>
               <a:rPr lang="en-US" dirty="0" err="1" smtClean="0"/>
-              <a:t>Tsc</a:t>
+              <a:t>sc</a:t>
             </a:r>
             <a:r>
               <a:rPr lang="en-US" dirty="0" smtClean="0"/>
@@ -4168,8 +4566,12 @@
           <a:p>
             <a:pPr lvl="1"/>
             <a:r>
-              <a:rPr lang="en-US" dirty="0" err="1"/>
-              <a:t>Skiplibcheck</a:t>
+              <a:rPr lang="en-US" dirty="0" err="1" smtClean="0"/>
+              <a:t>s</a:t>
+            </a:r>
+            <a:r>
+              <a:rPr lang="en-US" dirty="0" err="1" smtClean="0"/>
+              <a:t>kipLibCheck</a:t>
             </a:r>
             <a:endParaRPr lang="en-US" dirty="0"/>
           </a:p>
@@ -4177,84 +4579,73 @@
             <a:pPr lvl="1"/>
             <a:r>
               <a:rPr lang="en-US" dirty="0" smtClean="0"/>
-              <a:t>Allow </a:t>
-            </a:r>
-            <a:r>
-              <a:rPr lang="en-US" dirty="0" err="1"/>
-              <a:t>js</a:t>
+              <a:t>d</a:t>
+            </a:r>
+            <a:r>
+              <a:rPr lang="en-US" dirty="0" smtClean="0"/>
+              <a:t>eclaration / </a:t>
+            </a:r>
+            <a:r>
+              <a:rPr lang="en-US" dirty="0" err="1" smtClean="0"/>
+              <a:t>emitDeclarationsOnly</a:t>
+            </a:r>
+            <a:endParaRPr lang="en-US" dirty="0" smtClean="0"/>
+          </a:p>
+          <a:p>
+            <a:pPr lvl="1"/>
+            <a:r>
+              <a:rPr lang="en-US" dirty="0" err="1" smtClean="0"/>
+              <a:t>typeVersions</a:t>
+            </a:r>
+            <a:endParaRPr lang="en-US" dirty="0" smtClean="0"/>
+          </a:p>
+          <a:p>
+            <a:pPr lvl="1"/>
+            <a:r>
+              <a:rPr lang="en-US" dirty="0" err="1" smtClean="0"/>
+              <a:t>allowJs</a:t>
+            </a:r>
+            <a:r>
+              <a:rPr lang="en-US" dirty="0" smtClean="0"/>
+              <a:t> </a:t>
             </a:r>
             <a:r>
               <a:rPr lang="en-US" dirty="0"/>
+              <a:t>/ </a:t>
+            </a:r>
+            <a:r>
+              <a:rPr lang="en-US" dirty="0" err="1" smtClean="0"/>
+              <a:t>checkJs</a:t>
+            </a:r>
+            <a:endParaRPr lang="en-US" dirty="0" smtClean="0"/>
+          </a:p>
+          <a:p>
+            <a:pPr lvl="1"/>
+            <a:r>
+              <a:rPr lang="en-US" dirty="0" err="1" smtClean="0"/>
+              <a:t>strictNullChecks</a:t>
+            </a:r>
+            <a:r>
+              <a:rPr lang="en-US" dirty="0" smtClean="0"/>
               <a:t> / </a:t>
             </a:r>
             <a:r>
-              <a:rPr lang="en-US" dirty="0" err="1"/>
-              <a:t>checkjs</a:t>
+              <a:rPr lang="en-US" dirty="0" err="1" smtClean="0"/>
+              <a:t>Nullable</a:t>
+            </a:r>
+            <a:r>
+              <a:rPr lang="en-US" dirty="0" smtClean="0"/>
+              <a:t> Types</a:t>
             </a:r>
             <a:endParaRPr lang="en-US" dirty="0"/>
           </a:p>
           <a:p>
             <a:pPr lvl="1"/>
             <a:r>
-              <a:rPr lang="en-US" dirty="0" smtClean="0"/>
-              <a:t>Declaration </a:t>
-            </a:r>
-            <a:r>
-              <a:rPr lang="en-US" dirty="0"/>
-              <a:t>( create .</a:t>
-            </a:r>
-            <a:r>
-              <a:rPr lang="en-US" dirty="0" err="1"/>
-              <a:t>d.ts</a:t>
-            </a:r>
-            <a:r>
-              <a:rPr lang="en-US" dirty="0"/>
-              <a:t> files? / </a:t>
-            </a:r>
-            <a:r>
-              <a:rPr lang="en-US" dirty="0" err="1"/>
-              <a:t>emitdeclarations</a:t>
-            </a:r>
-            <a:endParaRPr lang="en-US" dirty="0"/>
-          </a:p>
-          <a:p>
-            <a:pPr lvl="1"/>
-            <a:r>
-              <a:rPr lang="en-US" dirty="0"/>
-              <a:t>Strict null checks  nullable types</a:t>
-            </a:r>
-          </a:p>
-          <a:p>
-            <a:pPr lvl="1"/>
-            <a:r>
-              <a:rPr lang="en-US" dirty="0" err="1"/>
-              <a:t>Typeversion</a:t>
-            </a:r>
-            <a:endParaRPr lang="en-US" dirty="0"/>
-          </a:p>
-          <a:p>
-            <a:pPr lvl="1"/>
-            <a:r>
-              <a:rPr lang="en-US" dirty="0" err="1"/>
-              <a:t>Preserveconstenum</a:t>
-            </a:r>
-            <a:endParaRPr lang="en-US" dirty="0"/>
-          </a:p>
-          <a:p>
-            <a:pPr lvl="1"/>
-            <a:r>
-              <a:rPr lang="en-US" dirty="0" err="1"/>
-              <a:t>Supressexcessproperty</a:t>
-            </a:r>
-            <a:r>
-              <a:rPr lang="en-US" dirty="0"/>
-              <a:t> </a:t>
-            </a:r>
-            <a:r>
-              <a:rPr lang="en-US" dirty="0" smtClean="0"/>
-              <a:t>errors</a:t>
-            </a:r>
-            <a:endParaRPr lang="en-US" dirty="0"/>
+              <a:rPr lang="en-US" dirty="0" err="1" smtClean="0"/>
+              <a:t>suppressExcessPropertyErrors</a:t>
+            </a:r>
+            <a:endParaRPr lang="en-US" dirty="0" smtClean="0"/>
           </a:p>
         </p:txBody>
       </p:sp>
@@ -4280,9 +4671,10 @@
           <a:lstStyle/>
           <a:p>
             <a:r>
-              <a:rPr lang="en-US"/>
-              <a:t>@jacobladams</a:t>
-            </a:r>
+              <a:rPr lang="en-US" smtClean="0"/>
+              <a:t>@jacobladams          http://bit.ly/jaketsgems</a:t>
+            </a:r>
+            <a:endParaRPr lang="en-US"/>
           </a:p>
         </p:txBody>
       </p:sp>
@@ -4469,7 +4861,7 @@
         <p:spPr/>
         <p:txBody>
           <a:bodyPr>
-            <a:normAutofit fontScale="85000" lnSpcReduction="20000"/>
+            <a:normAutofit fontScale="92500" lnSpcReduction="20000"/>
           </a:bodyPr>
           <a:lstStyle/>
           <a:p>
@@ -4506,6 +4898,13 @@
               <a:rPr lang="en-US" dirty="0" smtClean="0"/>
               <a:t>Types</a:t>
             </a:r>
+          </a:p>
+          <a:p>
+            <a:pPr lvl="1"/>
+            <a:r>
+              <a:rPr lang="en-US" dirty="0" smtClean="0"/>
+              <a:t>Conditional Types</a:t>
+            </a:r>
             <a:endParaRPr lang="en-US" dirty="0"/>
           </a:p>
           <a:p>
@@ -4528,13 +4927,9 @@
           <a:p>
             <a:pPr lvl="1"/>
             <a:r>
-              <a:rPr lang="en-US" dirty="0" err="1"/>
+              <a:rPr lang="en-US" dirty="0" err="1" smtClean="0"/>
               <a:t>Destructuring</a:t>
             </a:r>
-            <a:endParaRPr lang="en-US" dirty="0"/>
-          </a:p>
-          <a:p>
-            <a:pPr lvl="1"/>
             <a:endParaRPr lang="en-US" dirty="0"/>
           </a:p>
           <a:p>
@@ -4554,13 +4949,10 @@
           <a:p>
             <a:pPr lvl="1"/>
             <a:r>
-              <a:rPr lang="en-US" dirty="0" smtClean="0"/>
-              <a:t>List </a:t>
-            </a:r>
-            <a:r>
-              <a:rPr lang="en-US" dirty="0"/>
-              <a:t>files?</a:t>
-            </a:r>
+              <a:rPr lang="en-US" dirty="0" err="1" smtClean="0"/>
+              <a:t>Listfiles</a:t>
+            </a:r>
+            <a:endParaRPr lang="en-US" dirty="0"/>
           </a:p>
           <a:p>
             <a:pPr lvl="1"/>
@@ -4568,11 +4960,11 @@
               <a:rPr lang="en-US" dirty="0" err="1" smtClean="0"/>
               <a:t>Linting</a:t>
             </a:r>
-            <a:endParaRPr lang="en-US" dirty="0"/>
-          </a:p>
-          <a:p>
-            <a:r>
-              <a:rPr lang="en-US" dirty="0" err="1"/>
+            <a:endParaRPr lang="en-US" dirty="0" smtClean="0"/>
+          </a:p>
+          <a:p>
+            <a:r>
+              <a:rPr lang="en-US" dirty="0" err="1" smtClean="0"/>
               <a:t>TSLint</a:t>
             </a:r>
             <a:endParaRPr lang="en-US" dirty="0"/>
@@ -4607,9 +4999,10 @@
           <a:lstStyle/>
           <a:p>
             <a:r>
-              <a:rPr lang="en-US"/>
-              <a:t>@jacobladams</a:t>
-            </a:r>
+              <a:rPr lang="en-US" smtClean="0"/>
+              <a:t>@jacobladams          http://bit.ly/jaketsgems</a:t>
+            </a:r>
+            <a:endParaRPr lang="en-US"/>
           </a:p>
         </p:txBody>
       </p:sp>
@@ -4719,8 +5112,8 @@
           <a:p>
             <a:pPr algn="l"/>
             <a:r>
-              <a:rPr lang="en-US"/>
-              <a:t>@jacobladams</a:t>
+              <a:rPr lang="en-US" smtClean="0"/>
+              <a:t>@jacobladams          http://bit.ly/jaketsgems</a:t>
             </a:r>
             <a:endParaRPr lang="en-US" dirty="0"/>
           </a:p>
@@ -4730,6 +5123,530 @@
     <p:extLst>
       <p:ext uri="{BB962C8B-B14F-4D97-AF65-F5344CB8AC3E}">
         <p14:creationId xmlns:p14="http://schemas.microsoft.com/office/powerpoint/2010/main" val="3426865345"/>
+      </p:ext>
+    </p:extLst>
+  </p:cSld>
+  <p:clrMapOvr>
+    <a:masterClrMapping/>
+  </p:clrMapOvr>
+</p:sld>
+</file>
+
+<file path=ppt/slides/slide6.xml><?xml version="1.0" encoding="utf-8"?>
+<p:sld xmlns:a="http://schemas.openxmlformats.org/drawingml/2006/main" xmlns:r="http://schemas.openxmlformats.org/officeDocument/2006/relationships" xmlns:p="http://schemas.openxmlformats.org/presentationml/2006/main">
+  <p:cSld>
+    <p:spTree>
+      <p:nvGrpSpPr>
+        <p:cNvPr id="1" name=""/>
+        <p:cNvGrpSpPr/>
+        <p:nvPr/>
+      </p:nvGrpSpPr>
+      <p:grpSpPr>
+        <a:xfrm>
+          <a:off x="0" y="0"/>
+          <a:ext cx="0" cy="0"/>
+          <a:chOff x="0" y="0"/>
+          <a:chExt cx="0" cy="0"/>
+        </a:xfrm>
+      </p:grpSpPr>
+      <p:sp>
+        <p:nvSpPr>
+          <p:cNvPr id="2" name="Title 1"/>
+          <p:cNvSpPr>
+            <a:spLocks noGrp="1"/>
+          </p:cNvSpPr>
+          <p:nvPr>
+            <p:ph type="title"/>
+          </p:nvPr>
+        </p:nvSpPr>
+        <p:spPr/>
+        <p:txBody>
+          <a:bodyPr/>
+          <a:lstStyle/>
+          <a:p>
+            <a:r>
+              <a:rPr lang="en-US" dirty="0"/>
+              <a:t>Future </a:t>
+            </a:r>
+            <a:r>
+              <a:rPr lang="en-US" dirty="0" err="1"/>
+              <a:t>ES</a:t>
+            </a:r>
+            <a:r>
+              <a:rPr lang="en-US" dirty="0"/>
+              <a:t> </a:t>
+            </a:r>
+            <a:r>
+              <a:rPr lang="en-US" dirty="0" smtClean="0"/>
+              <a:t>Features</a:t>
+            </a:r>
+            <a:endParaRPr lang="en-US" dirty="0"/>
+          </a:p>
+        </p:txBody>
+      </p:sp>
+      <p:sp>
+        <p:nvSpPr>
+          <p:cNvPr id="3" name="Text Placeholder 2"/>
+          <p:cNvSpPr>
+            <a:spLocks noGrp="1"/>
+          </p:cNvSpPr>
+          <p:nvPr>
+            <p:ph type="body" idx="1"/>
+          </p:nvPr>
+        </p:nvSpPr>
+        <p:spPr/>
+        <p:txBody>
+          <a:bodyPr/>
+          <a:lstStyle/>
+          <a:p>
+            <a:endParaRPr lang="en-US"/>
+          </a:p>
+        </p:txBody>
+      </p:sp>
+      <p:sp>
+        <p:nvSpPr>
+          <p:cNvPr id="4" name="Footer Placeholder 3"/>
+          <p:cNvSpPr>
+            <a:spLocks noGrp="1"/>
+          </p:cNvSpPr>
+          <p:nvPr>
+            <p:ph type="ftr" sz="quarter" idx="10"/>
+          </p:nvPr>
+        </p:nvSpPr>
+        <p:spPr/>
+        <p:txBody>
+          <a:bodyPr/>
+          <a:lstStyle/>
+          <a:p>
+            <a:pPr algn="l"/>
+            <a:r>
+              <a:rPr lang="en-US" smtClean="0"/>
+              <a:t>@jacobladams          http://bit.ly/jaketsgems</a:t>
+            </a:r>
+            <a:endParaRPr lang="en-US" dirty="0"/>
+          </a:p>
+        </p:txBody>
+      </p:sp>
+    </p:spTree>
+    <p:extLst>
+      <p:ext uri="{BB962C8B-B14F-4D97-AF65-F5344CB8AC3E}">
+        <p14:creationId xmlns:p14="http://schemas.microsoft.com/office/powerpoint/2010/main" val="1352525505"/>
+      </p:ext>
+    </p:extLst>
+  </p:cSld>
+  <p:clrMapOvr>
+    <a:masterClrMapping/>
+  </p:clrMapOvr>
+</p:sld>
+</file>
+
+<file path=ppt/slides/slide7.xml><?xml version="1.0" encoding="utf-8"?>
+<p:sld xmlns:a="http://schemas.openxmlformats.org/drawingml/2006/main" xmlns:r="http://schemas.openxmlformats.org/officeDocument/2006/relationships" xmlns:p="http://schemas.openxmlformats.org/presentationml/2006/main">
+  <p:cSld>
+    <p:spTree>
+      <p:nvGrpSpPr>
+        <p:cNvPr id="1" name=""/>
+        <p:cNvGrpSpPr/>
+        <p:nvPr/>
+      </p:nvGrpSpPr>
+      <p:grpSpPr>
+        <a:xfrm>
+          <a:off x="0" y="0"/>
+          <a:ext cx="0" cy="0"/>
+          <a:chOff x="0" y="0"/>
+          <a:chExt cx="0" cy="0"/>
+        </a:xfrm>
+      </p:grpSpPr>
+      <p:sp>
+        <p:nvSpPr>
+          <p:cNvPr id="2" name="Title 1"/>
+          <p:cNvSpPr>
+            <a:spLocks noGrp="1"/>
+          </p:cNvSpPr>
+          <p:nvPr>
+            <p:ph type="title"/>
+          </p:nvPr>
+        </p:nvSpPr>
+        <p:spPr/>
+        <p:txBody>
+          <a:bodyPr/>
+          <a:lstStyle/>
+          <a:p>
+            <a:r>
+              <a:rPr lang="en-US" dirty="0"/>
+              <a:t>Configuration</a:t>
+            </a:r>
+            <a:br>
+              <a:rPr lang="en-US" dirty="0"/>
+            </a:br>
+            <a:endParaRPr lang="en-US" dirty="0"/>
+          </a:p>
+        </p:txBody>
+      </p:sp>
+      <p:sp>
+        <p:nvSpPr>
+          <p:cNvPr id="3" name="Text Placeholder 2"/>
+          <p:cNvSpPr>
+            <a:spLocks noGrp="1"/>
+          </p:cNvSpPr>
+          <p:nvPr>
+            <p:ph type="body" idx="1"/>
+          </p:nvPr>
+        </p:nvSpPr>
+        <p:spPr/>
+        <p:txBody>
+          <a:bodyPr/>
+          <a:lstStyle/>
+          <a:p>
+            <a:endParaRPr lang="en-US" dirty="0"/>
+          </a:p>
+        </p:txBody>
+      </p:sp>
+      <p:sp>
+        <p:nvSpPr>
+          <p:cNvPr id="4" name="Footer Placeholder 3"/>
+          <p:cNvSpPr>
+            <a:spLocks noGrp="1"/>
+          </p:cNvSpPr>
+          <p:nvPr>
+            <p:ph type="ftr" sz="quarter" idx="10"/>
+          </p:nvPr>
+        </p:nvSpPr>
+        <p:spPr/>
+        <p:txBody>
+          <a:bodyPr/>
+          <a:lstStyle/>
+          <a:p>
+            <a:pPr algn="l"/>
+            <a:r>
+              <a:rPr lang="en-US" smtClean="0"/>
+              <a:t>@jacobladams          http://bit.ly/jaketsgems</a:t>
+            </a:r>
+            <a:endParaRPr lang="en-US" dirty="0"/>
+          </a:p>
+        </p:txBody>
+      </p:sp>
+    </p:spTree>
+    <p:extLst>
+      <p:ext uri="{BB962C8B-B14F-4D97-AF65-F5344CB8AC3E}">
+        <p14:creationId xmlns:p14="http://schemas.microsoft.com/office/powerpoint/2010/main" val="3201866314"/>
+      </p:ext>
+    </p:extLst>
+  </p:cSld>
+  <p:clrMapOvr>
+    <a:masterClrMapping/>
+  </p:clrMapOvr>
+</p:sld>
+</file>
+
+<file path=ppt/slides/slide8.xml><?xml version="1.0" encoding="utf-8"?>
+<p:sld xmlns:a="http://schemas.openxmlformats.org/drawingml/2006/main" xmlns:r="http://schemas.openxmlformats.org/officeDocument/2006/relationships" xmlns:p="http://schemas.openxmlformats.org/presentationml/2006/main">
+  <p:cSld>
+    <p:spTree>
+      <p:nvGrpSpPr>
+        <p:cNvPr id="1" name=""/>
+        <p:cNvGrpSpPr/>
+        <p:nvPr/>
+      </p:nvGrpSpPr>
+      <p:grpSpPr>
+        <a:xfrm>
+          <a:off x="0" y="0"/>
+          <a:ext cx="0" cy="0"/>
+          <a:chOff x="0" y="0"/>
+          <a:chExt cx="0" cy="0"/>
+        </a:xfrm>
+      </p:grpSpPr>
+      <p:sp>
+        <p:nvSpPr>
+          <p:cNvPr id="2" name="Title 1"/>
+          <p:cNvSpPr>
+            <a:spLocks noGrp="1"/>
+          </p:cNvSpPr>
+          <p:nvPr>
+            <p:ph type="title"/>
+          </p:nvPr>
+        </p:nvSpPr>
+        <p:spPr/>
+        <p:txBody>
+          <a:bodyPr/>
+          <a:lstStyle/>
+          <a:p>
+            <a:r>
+              <a:rPr lang="en-US" dirty="0" err="1"/>
+              <a:t>t</a:t>
+            </a:r>
+            <a:r>
+              <a:rPr lang="en-US" dirty="0" err="1" smtClean="0"/>
+              <a:t>sc</a:t>
+            </a:r>
+            <a:r>
+              <a:rPr lang="en-US" dirty="0" smtClean="0"/>
+              <a:t> --</a:t>
+            </a:r>
+            <a:r>
+              <a:rPr lang="en-US" dirty="0" err="1" smtClean="0"/>
+              <a:t>init</a:t>
+            </a:r>
+            <a:endParaRPr lang="en-US" dirty="0"/>
+          </a:p>
+        </p:txBody>
+      </p:sp>
+      <p:sp>
+        <p:nvSpPr>
+          <p:cNvPr id="3" name="Content Placeholder 2"/>
+          <p:cNvSpPr>
+            <a:spLocks noGrp="1"/>
+          </p:cNvSpPr>
+          <p:nvPr>
+            <p:ph idx="1"/>
+          </p:nvPr>
+        </p:nvSpPr>
+        <p:spPr/>
+        <p:txBody>
+          <a:bodyPr/>
+          <a:lstStyle/>
+          <a:p>
+            <a:r>
+              <a:rPr lang="en-US" dirty="0" smtClean="0"/>
+              <a:t>Creates a new </a:t>
+            </a:r>
+            <a:r>
+              <a:rPr lang="en-US" dirty="0" err="1" smtClean="0"/>
+              <a:t>tsconfig.json</a:t>
+            </a:r>
+            <a:r>
+              <a:rPr lang="en-US" dirty="0" smtClean="0"/>
+              <a:t> file with comments</a:t>
+            </a:r>
+            <a:endParaRPr lang="en-US" dirty="0"/>
+          </a:p>
+        </p:txBody>
+      </p:sp>
+      <p:sp>
+        <p:nvSpPr>
+          <p:cNvPr id="4" name="Footer Placeholder 3"/>
+          <p:cNvSpPr>
+            <a:spLocks noGrp="1"/>
+          </p:cNvSpPr>
+          <p:nvPr>
+            <p:ph type="ftr" sz="quarter" idx="11"/>
+          </p:nvPr>
+        </p:nvSpPr>
+        <p:spPr/>
+        <p:txBody>
+          <a:bodyPr/>
+          <a:lstStyle/>
+          <a:p>
+            <a:r>
+              <a:rPr lang="en-US" smtClean="0"/>
+              <a:t>@jacobladams          http://bit.ly/jaketsgems</a:t>
+            </a:r>
+            <a:endParaRPr lang="en-US"/>
+          </a:p>
+        </p:txBody>
+      </p:sp>
+    </p:spTree>
+    <p:extLst>
+      <p:ext uri="{BB962C8B-B14F-4D97-AF65-F5344CB8AC3E}">
+        <p14:creationId xmlns:p14="http://schemas.microsoft.com/office/powerpoint/2010/main" val="1713991219"/>
+      </p:ext>
+    </p:extLst>
+  </p:cSld>
+  <p:clrMapOvr>
+    <a:masterClrMapping/>
+  </p:clrMapOvr>
+</p:sld>
+</file>
+
+<file path=ppt/slides/slide9.xml><?xml version="1.0" encoding="utf-8"?>
+<p:sld xmlns:a="http://schemas.openxmlformats.org/drawingml/2006/main" xmlns:r="http://schemas.openxmlformats.org/officeDocument/2006/relationships" xmlns:p="http://schemas.openxmlformats.org/presentationml/2006/main">
+  <p:cSld>
+    <p:spTree>
+      <p:nvGrpSpPr>
+        <p:cNvPr id="1" name=""/>
+        <p:cNvGrpSpPr/>
+        <p:nvPr/>
+      </p:nvGrpSpPr>
+      <p:grpSpPr>
+        <a:xfrm>
+          <a:off x="0" y="0"/>
+          <a:ext cx="0" cy="0"/>
+          <a:chOff x="0" y="0"/>
+          <a:chExt cx="0" cy="0"/>
+        </a:xfrm>
+      </p:grpSpPr>
+      <p:sp>
+        <p:nvSpPr>
+          <p:cNvPr id="2" name="Title 1"/>
+          <p:cNvSpPr>
+            <a:spLocks noGrp="1"/>
+          </p:cNvSpPr>
+          <p:nvPr>
+            <p:ph type="title"/>
+          </p:nvPr>
+        </p:nvSpPr>
+        <p:spPr/>
+        <p:txBody>
+          <a:bodyPr/>
+          <a:lstStyle/>
+          <a:p>
+            <a:r>
+              <a:rPr lang="en-US" dirty="0" err="1" smtClean="0"/>
+              <a:t>skipLibCheck</a:t>
+            </a:r>
+            <a:endParaRPr lang="en-US" dirty="0"/>
+          </a:p>
+        </p:txBody>
+      </p:sp>
+      <p:sp>
+        <p:nvSpPr>
+          <p:cNvPr id="3" name="Content Placeholder 2"/>
+          <p:cNvSpPr>
+            <a:spLocks noGrp="1"/>
+          </p:cNvSpPr>
+          <p:nvPr>
+            <p:ph idx="1"/>
+          </p:nvPr>
+        </p:nvSpPr>
+        <p:spPr/>
+        <p:txBody>
+          <a:bodyPr/>
+          <a:lstStyle/>
+          <a:p>
+            <a:pPr marL="0" indent="0">
+              <a:buNone/>
+            </a:pPr>
+            <a:r>
+              <a:rPr lang="en-US" dirty="0" smtClean="0"/>
+              <a:t>{</a:t>
+            </a:r>
+            <a:endParaRPr lang="en-US" dirty="0"/>
+          </a:p>
+          <a:p>
+            <a:pPr marL="0" indent="0">
+              <a:buNone/>
+            </a:pPr>
+            <a:r>
+              <a:rPr lang="en-US" dirty="0"/>
+              <a:t> </a:t>
+            </a:r>
+            <a:r>
+              <a:rPr lang="en-US" dirty="0" smtClean="0"/>
+              <a:t>   "</a:t>
+            </a:r>
+            <a:r>
+              <a:rPr lang="en-US" dirty="0" err="1"/>
+              <a:t>compilerOptions</a:t>
+            </a:r>
+            <a:r>
+              <a:rPr lang="en-US" dirty="0"/>
+              <a:t>": {</a:t>
+            </a:r>
+          </a:p>
+          <a:p>
+            <a:pPr marL="0" indent="0">
+              <a:buNone/>
+            </a:pPr>
+            <a:r>
+              <a:rPr lang="en-US" dirty="0" smtClean="0"/>
+              <a:t>        "</a:t>
+            </a:r>
+            <a:r>
+              <a:rPr lang="en-US" dirty="0" err="1"/>
+              <a:t>skipLibCheck</a:t>
+            </a:r>
+            <a:r>
+              <a:rPr lang="en-US" dirty="0"/>
+              <a:t>": </a:t>
+            </a:r>
+            <a:r>
+              <a:rPr lang="en-US" dirty="0" smtClean="0"/>
+              <a:t>true</a:t>
+            </a:r>
+            <a:endParaRPr lang="en-US" dirty="0"/>
+          </a:p>
+          <a:p>
+            <a:pPr marL="0" indent="0">
+              <a:buNone/>
+            </a:pPr>
+            <a:r>
+              <a:rPr lang="en-US" dirty="0"/>
+              <a:t> </a:t>
+            </a:r>
+            <a:r>
+              <a:rPr lang="en-US" dirty="0" smtClean="0"/>
+              <a:t>   }</a:t>
+            </a:r>
+            <a:endParaRPr lang="en-US" dirty="0"/>
+          </a:p>
+          <a:p>
+            <a:pPr marL="0" indent="0">
+              <a:buNone/>
+            </a:pPr>
+            <a:r>
+              <a:rPr lang="en-US" dirty="0"/>
+              <a:t>}</a:t>
+            </a:r>
+          </a:p>
+          <a:p>
+            <a:pPr marL="0" indent="0">
+              <a:buNone/>
+            </a:pPr>
+            <a:endParaRPr lang="en-US" dirty="0" smtClean="0"/>
+          </a:p>
+          <a:p>
+            <a:pPr marL="0" indent="0">
+              <a:buNone/>
+            </a:pPr>
+            <a:r>
+              <a:rPr lang="en-US" dirty="0"/>
+              <a:t>Skip type checking of all declaration files (*.</a:t>
+            </a:r>
+            <a:r>
+              <a:rPr lang="en-US" dirty="0" err="1"/>
+              <a:t>d.ts</a:t>
+            </a:r>
+            <a:r>
+              <a:rPr lang="en-US" dirty="0"/>
+              <a:t>).</a:t>
+            </a:r>
+            <a:endParaRPr lang="en-US" dirty="0" smtClean="0"/>
+          </a:p>
+          <a:p>
+            <a:pPr marL="0" indent="0">
+              <a:buNone/>
+            </a:pPr>
+            <a:endParaRPr lang="en-US" dirty="0"/>
+          </a:p>
+        </p:txBody>
+      </p:sp>
+      <p:sp>
+        <p:nvSpPr>
+          <p:cNvPr id="4" name="Footer Placeholder 3"/>
+          <p:cNvSpPr>
+            <a:spLocks noGrp="1"/>
+          </p:cNvSpPr>
+          <p:nvPr>
+            <p:ph type="ftr" sz="quarter" idx="11"/>
+          </p:nvPr>
+        </p:nvSpPr>
+        <p:spPr/>
+        <p:txBody>
+          <a:bodyPr/>
+          <a:lstStyle/>
+          <a:p>
+            <a:r>
+              <a:rPr lang="en-US" smtClean="0"/>
+              <a:t>@jacobladams          http://bit.ly/jaketsgems</a:t>
+            </a:r>
+            <a:endParaRPr lang="en-US"/>
+          </a:p>
+        </p:txBody>
+      </p:sp>
+    </p:spTree>
+    <p:extLst>
+      <p:ext uri="{BB962C8B-B14F-4D97-AF65-F5344CB8AC3E}">
+        <p14:creationId xmlns:p14="http://schemas.microsoft.com/office/powerpoint/2010/main" val="1293829843"/>
       </p:ext>
     </p:extLst>
   </p:cSld>

--- a/Hidden Gems In TypeScript.pptx
+++ b/Hidden Gems In TypeScript.pptx
@@ -208,7 +208,7 @@
           <a:p>
             <a:fld id="{396F3607-515C-4AF3-AC23-58CE08B0DB41}" type="datetimeFigureOut">
               <a:rPr lang="en-US" smtClean="0"/>
-              <a:t>10/4/2018</a:t>
+              <a:t>10/5/2018</a:t>
             </a:fld>
             <a:endParaRPr lang="en-US"/>
           </a:p>
@@ -4263,11 +4263,7 @@
             </a:pPr>
             <a:r>
               <a:rPr lang="en-US" dirty="0" smtClean="0"/>
-              <a:t>Jake </a:t>
-            </a:r>
-            <a:r>
-              <a:rPr lang="en-US" dirty="0" smtClean="0"/>
-              <a:t>Adams</a:t>
+              <a:t>Jake Adams</a:t>
             </a:r>
           </a:p>
           <a:p>
@@ -4495,20 +4491,12 @@
           <a:p>
             <a:pPr lvl="1"/>
             <a:r>
-              <a:rPr lang="en-US" dirty="0"/>
-              <a:t>Unknown </a:t>
-            </a:r>
-            <a:r>
               <a:rPr lang="en-US" dirty="0" smtClean="0"/>
-              <a:t>Type</a:t>
-            </a:r>
-            <a:endParaRPr lang="en-US" dirty="0"/>
-          </a:p>
-          <a:p>
-            <a:pPr lvl="1"/>
+              <a:t>Literal </a:t>
+            </a:r>
             <a:r>
               <a:rPr lang="en-US" dirty="0" smtClean="0"/>
-              <a:t>Literal Types</a:t>
+              <a:t>Types</a:t>
             </a:r>
             <a:endParaRPr lang="en-US" dirty="0"/>
           </a:p>
@@ -4567,11 +4555,7 @@
             <a:pPr lvl="1"/>
             <a:r>
               <a:rPr lang="en-US" dirty="0" err="1" smtClean="0"/>
-              <a:t>s</a:t>
-            </a:r>
-            <a:r>
-              <a:rPr lang="en-US" dirty="0" err="1" smtClean="0"/>
-              <a:t>kipLibCheck</a:t>
+              <a:t>skipLibCheck</a:t>
             </a:r>
             <a:endParaRPr lang="en-US" dirty="0"/>
           </a:p>
@@ -4579,11 +4563,7 @@
             <a:pPr lvl="1"/>
             <a:r>
               <a:rPr lang="en-US" dirty="0" smtClean="0"/>
-              <a:t>d</a:t>
-            </a:r>
-            <a:r>
-              <a:rPr lang="en-US" dirty="0" smtClean="0"/>
-              <a:t>eclaration / </a:t>
+              <a:t>declaration / </a:t>
             </a:r>
             <a:r>
               <a:rPr lang="en-US" dirty="0" err="1" smtClean="0"/>
@@ -4861,14 +4841,42 @@
         <p:spPr/>
         <p:txBody>
           <a:bodyPr>
-            <a:normAutofit fontScale="92500" lnSpcReduction="20000"/>
+            <a:normAutofit fontScale="85000" lnSpcReduction="20000"/>
           </a:bodyPr>
           <a:lstStyle/>
           <a:p>
             <a:r>
               <a:rPr lang="en-US" dirty="0"/>
-              <a:t>Advanced Types</a:t>
-            </a:r>
+              <a:t>Advanced </a:t>
+            </a:r>
+            <a:r>
+              <a:rPr lang="en-US" dirty="0" smtClean="0"/>
+              <a:t>Types</a:t>
+            </a:r>
+          </a:p>
+          <a:p>
+            <a:pPr lvl="1"/>
+            <a:r>
+              <a:rPr lang="en-US" dirty="0"/>
+              <a:t>Intersection </a:t>
+            </a:r>
+            <a:r>
+              <a:rPr lang="en-US" dirty="0" smtClean="0"/>
+              <a:t>Types</a:t>
+            </a:r>
+            <a:endParaRPr lang="en-US" dirty="0" smtClean="0"/>
+          </a:p>
+          <a:p>
+            <a:pPr lvl="1"/>
+            <a:r>
+              <a:rPr lang="en-US" dirty="0"/>
+              <a:t>Unknown </a:t>
+            </a:r>
+            <a:r>
+              <a:rPr lang="en-US" dirty="0" smtClean="0"/>
+              <a:t>Type</a:t>
+            </a:r>
+            <a:endParaRPr lang="en-US" dirty="0"/>
           </a:p>
           <a:p>
             <a:pPr lvl="1"/>
@@ -4891,20 +4899,13 @@
           <a:p>
             <a:pPr lvl="1"/>
             <a:r>
-              <a:rPr lang="en-US" dirty="0"/>
-              <a:t>Intersection </a:t>
+              <a:rPr lang="en-US" dirty="0" smtClean="0"/>
+              <a:t>Conditional </a:t>
             </a:r>
             <a:r>
               <a:rPr lang="en-US" dirty="0" smtClean="0"/>
               <a:t>Types</a:t>
             </a:r>
-          </a:p>
-          <a:p>
-            <a:pPr lvl="1"/>
-            <a:r>
-              <a:rPr lang="en-US" dirty="0" smtClean="0"/>
-              <a:t>Conditional Types</a:t>
-            </a:r>
             <a:endParaRPr lang="en-US" dirty="0"/>
           </a:p>
           <a:p>
@@ -4942,15 +4943,23 @@
             <a:pPr lvl="1"/>
             <a:r>
               <a:rPr lang="en-US" dirty="0" smtClean="0"/>
-              <a:t>Libs</a:t>
+              <a:t>l</a:t>
+            </a:r>
+            <a:r>
+              <a:rPr lang="en-US" dirty="0" smtClean="0"/>
+              <a:t>ib</a:t>
             </a:r>
             <a:endParaRPr lang="en-US" dirty="0"/>
           </a:p>
           <a:p>
             <a:pPr lvl="1"/>
             <a:r>
+              <a:rPr lang="en-US" dirty="0" err="1"/>
+              <a:t>l</a:t>
+            </a:r>
+            <a:r>
               <a:rPr lang="en-US" dirty="0" err="1" smtClean="0"/>
-              <a:t>Listfiles</a:t>
+              <a:t>istfiles</a:t>
             </a:r>
             <a:endParaRPr lang="en-US" dirty="0"/>
           </a:p>
@@ -5085,7 +5094,7 @@
           <a:bodyPr/>
           <a:lstStyle/>
           <a:p>
-            <a:endParaRPr lang="en-US"/>
+            <a:endParaRPr lang="en-US" dirty="0"/>
           </a:p>
         </p:txBody>
       </p:sp>

--- a/Hidden Gems In TypeScript.pptx
+++ b/Hidden Gems In TypeScript.pptx
@@ -4263,7 +4263,11 @@
             </a:pPr>
             <a:r>
               <a:rPr lang="en-US" dirty="0" smtClean="0"/>
-              <a:t>Jake Adams</a:t>
+              <a:t>Jake </a:t>
+            </a:r>
+            <a:r>
+              <a:rPr lang="en-US" dirty="0" smtClean="0"/>
+              <a:t>Adams</a:t>
             </a:r>
           </a:p>
           <a:p>
@@ -4272,7 +4276,7 @@
             </a:pPr>
             <a:r>
               <a:rPr lang="en-US" dirty="0" smtClean="0"/>
-              <a:t>Senior Software Architect</a:t>
+              <a:t>Father / Husband</a:t>
             </a:r>
           </a:p>
           <a:p>
@@ -4281,7 +4285,19 @@
             </a:pPr>
             <a:r>
               <a:rPr lang="en-US" dirty="0" smtClean="0"/>
-              <a:t>Thompson Coburn LLP</a:t>
+              <a:t>Senior </a:t>
+            </a:r>
+            <a:r>
+              <a:rPr lang="en-US" dirty="0" smtClean="0"/>
+              <a:t>Software </a:t>
+            </a:r>
+            <a:r>
+              <a:rPr lang="en-US" dirty="0" smtClean="0"/>
+              <a:t>Architect - Thompson </a:t>
+            </a:r>
+            <a:r>
+              <a:rPr lang="en-US" dirty="0" smtClean="0"/>
+              <a:t>Coburn LLP</a:t>
             </a:r>
           </a:p>
           <a:p>
@@ -4492,11 +4508,7 @@
             <a:pPr lvl="1"/>
             <a:r>
               <a:rPr lang="en-US" dirty="0" smtClean="0"/>
-              <a:t>Literal </a:t>
-            </a:r>
-            <a:r>
-              <a:rPr lang="en-US" dirty="0" smtClean="0"/>
-              <a:t>Types</a:t>
+              <a:t>Literal Types</a:t>
             </a:r>
             <a:endParaRPr lang="en-US" dirty="0"/>
           </a:p>
@@ -4864,7 +4876,6 @@
               <a:rPr lang="en-US" dirty="0" smtClean="0"/>
               <a:t>Types</a:t>
             </a:r>
-            <a:endParaRPr lang="en-US" dirty="0" smtClean="0"/>
           </a:p>
           <a:p>
             <a:pPr lvl="1"/>
@@ -4900,11 +4911,7 @@
             <a:pPr lvl="1"/>
             <a:r>
               <a:rPr lang="en-US" dirty="0" smtClean="0"/>
-              <a:t>Conditional </a:t>
-            </a:r>
-            <a:r>
-              <a:rPr lang="en-US" dirty="0" smtClean="0"/>
-              <a:t>Types</a:t>
+              <a:t>Conditional Types</a:t>
             </a:r>
             <a:endParaRPr lang="en-US" dirty="0"/>
           </a:p>
@@ -4943,11 +4950,7 @@
             <a:pPr lvl="1"/>
             <a:r>
               <a:rPr lang="en-US" dirty="0" smtClean="0"/>
-              <a:t>l</a:t>
-            </a:r>
-            <a:r>
-              <a:rPr lang="en-US" dirty="0" smtClean="0"/>
-              <a:t>ib</a:t>
+              <a:t>lib</a:t>
             </a:r>
             <a:endParaRPr lang="en-US" dirty="0"/>
           </a:p>

--- a/Hidden Gems In TypeScript.pptx
+++ b/Hidden Gems In TypeScript.pptx
@@ -3614,6 +3614,13 @@
   <p:clrMapOvr>
     <a:masterClrMapping/>
   </p:clrMapOvr>
+  <p:timing>
+    <p:tnLst>
+      <p:par>
+        <p:cTn id="1" dur="indefinite" restart="never" nodeType="tmRoot"/>
+      </p:par>
+    </p:tnLst>
+  </p:timing>
 </p:sld>
 </file>
 
@@ -3838,6 +3845,13 @@
   <p:clrMapOvr>
     <a:masterClrMapping/>
   </p:clrMapOvr>
+  <p:timing>
+    <p:tnLst>
+      <p:par>
+        <p:cTn id="1" dur="indefinite" restart="never" nodeType="tmRoot"/>
+      </p:par>
+    </p:tnLst>
+  </p:timing>
 </p:sld>
 </file>
 
@@ -4094,6 +4108,13 @@
   <p:clrMapOvr>
     <a:masterClrMapping/>
   </p:clrMapOvr>
+  <p:timing>
+    <p:tnLst>
+      <p:par>
+        <p:cTn id="1" dur="indefinite" restart="never" nodeType="tmRoot"/>
+      </p:par>
+    </p:tnLst>
+  </p:timing>
 </p:sld>
 </file>
 
@@ -4189,6 +4210,13 @@
   <p:clrMapOvr>
     <a:masterClrMapping/>
   </p:clrMapOvr>
+  <p:timing>
+    <p:tnLst>
+      <p:par>
+        <p:cTn id="1" dur="indefinite" restart="never" nodeType="tmRoot"/>
+      </p:par>
+    </p:tnLst>
+  </p:timing>
 </p:sld>
 </file>
 
@@ -4263,11 +4291,7 @@
             </a:pPr>
             <a:r>
               <a:rPr lang="en-US" dirty="0" smtClean="0"/>
-              <a:t>Jake </a:t>
-            </a:r>
-            <a:r>
-              <a:rPr lang="en-US" dirty="0" smtClean="0"/>
-              <a:t>Adams</a:t>
+              <a:t>Jake Adams</a:t>
             </a:r>
           </a:p>
           <a:p>
@@ -4285,19 +4309,7 @@
             </a:pPr>
             <a:r>
               <a:rPr lang="en-US" dirty="0" smtClean="0"/>
-              <a:t>Senior </a:t>
-            </a:r>
-            <a:r>
-              <a:rPr lang="en-US" dirty="0" smtClean="0"/>
-              <a:t>Software </a:t>
-            </a:r>
-            <a:r>
-              <a:rPr lang="en-US" dirty="0" smtClean="0"/>
-              <a:t>Architect - Thompson </a:t>
-            </a:r>
-            <a:r>
-              <a:rPr lang="en-US" dirty="0" smtClean="0"/>
-              <a:t>Coburn LLP</a:t>
+              <a:t>Senior Software Architect - Thompson Coburn LLP</a:t>
             </a:r>
           </a:p>
           <a:p>
@@ -4377,6 +4389,13 @@
   <p:clrMapOvr>
     <a:masterClrMapping/>
   </p:clrMapOvr>
+  <p:timing>
+    <p:tnLst>
+      <p:par>
+        <p:cTn id="1" dur="indefinite" restart="never" nodeType="tmRoot"/>
+      </p:par>
+    </p:tnLst>
+  </p:timing>
 </p:sld>
 </file>
 
@@ -4487,20 +4506,15 @@
           <a:p>
             <a:pPr lvl="1"/>
             <a:r>
-              <a:rPr lang="en-US" dirty="0" err="1"/>
+              <a:rPr lang="en-US" dirty="0" smtClean="0"/>
+              <a:t>Type Aliases</a:t>
+            </a:r>
+          </a:p>
+          <a:p>
+            <a:pPr lvl="1"/>
+            <a:r>
+              <a:rPr lang="en-US" dirty="0" err="1" smtClean="0"/>
               <a:t>readonly</a:t>
-            </a:r>
-            <a:endParaRPr lang="en-US" dirty="0"/>
-          </a:p>
-          <a:p>
-            <a:pPr lvl="1"/>
-            <a:r>
-              <a:rPr lang="en-US" dirty="0"/>
-              <a:t>Type </a:t>
-            </a:r>
-            <a:r>
-              <a:rPr lang="en-US" dirty="0" smtClean="0"/>
-              <a:t>Aliases</a:t>
             </a:r>
             <a:endParaRPr lang="en-US" dirty="0"/>
           </a:p>
@@ -4786,6 +4800,13 @@
   <p:clrMapOvr>
     <a:masterClrMapping/>
   </p:clrMapOvr>
+  <p:timing>
+    <p:tnLst>
+      <p:par>
+        <p:cTn id="1" dur="indefinite" restart="never" nodeType="tmRoot"/>
+      </p:par>
+    </p:tnLst>
+  </p:timing>
 </p:sld>
 </file>
 
@@ -5028,6 +5049,13 @@
   <p:clrMapOvr>
     <a:masterClrMapping/>
   </p:clrMapOvr>
+  <p:timing>
+    <p:tnLst>
+      <p:par>
+        <p:cTn id="1" dur="indefinite" restart="never" nodeType="tmRoot"/>
+      </p:par>
+    </p:tnLst>
+  </p:timing>
 </p:sld>
 </file>
 
@@ -5141,6 +5169,13 @@
   <p:clrMapOvr>
     <a:masterClrMapping/>
   </p:clrMapOvr>
+  <p:timing>
+    <p:tnLst>
+      <p:par>
+        <p:cTn id="1" dur="indefinite" restart="never" nodeType="tmRoot"/>
+      </p:par>
+    </p:tnLst>
+  </p:timing>
 </p:sld>
 </file>
 
@@ -5249,6 +5284,13 @@
   <p:clrMapOvr>
     <a:masterClrMapping/>
   </p:clrMapOvr>
+  <p:timing>
+    <p:tnLst>
+      <p:par>
+        <p:cTn id="1" dur="indefinite" restart="never" nodeType="tmRoot"/>
+      </p:par>
+    </p:tnLst>
+  </p:timing>
 </p:sld>
 </file>
 
@@ -5348,6 +5390,13 @@
   <p:clrMapOvr>
     <a:masterClrMapping/>
   </p:clrMapOvr>
+  <p:timing>
+    <p:tnLst>
+      <p:par>
+        <p:cTn id="1" dur="indefinite" restart="never" nodeType="tmRoot"/>
+      </p:par>
+    </p:tnLst>
+  </p:timing>
 </p:sld>
 </file>
 
@@ -5467,6 +5516,13 @@
   <p:clrMapOvr>
     <a:masterClrMapping/>
   </p:clrMapOvr>
+  <p:timing>
+    <p:tnLst>
+      <p:par>
+        <p:cTn id="1" dur="indefinite" restart="never" nodeType="tmRoot"/>
+      </p:par>
+    </p:tnLst>
+  </p:timing>
 </p:sld>
 </file>
 
@@ -5665,6 +5721,13 @@
   <p:clrMapOvr>
     <a:masterClrMapping/>
   </p:clrMapOvr>
+  <p:timing>
+    <p:tnLst>
+      <p:par>
+        <p:cTn id="1" dur="indefinite" restart="never" nodeType="tmRoot"/>
+      </p:par>
+    </p:tnLst>
+  </p:timing>
 </p:sld>
 </file>
 

--- a/Hidden Gems In TypeScript.pptx
+++ b/Hidden Gems In TypeScript.pptx
@@ -5,7 +5,7 @@
     <p:sldMasterId id="2147483648" r:id="rId1"/>
   </p:sldMasterIdLst>
   <p:notesMasterIdLst>
-    <p:notesMasterId r:id="rId14"/>
+    <p:notesMasterId r:id="rId16"/>
   </p:notesMasterIdLst>
   <p:sldIdLst>
     <p:sldId id="256" r:id="rId2"/>
@@ -19,7 +19,9 @@
     <p:sldId id="265" r:id="rId10"/>
     <p:sldId id="267" r:id="rId11"/>
     <p:sldId id="268" r:id="rId12"/>
-    <p:sldId id="266" r:id="rId13"/>
+    <p:sldId id="269" r:id="rId13"/>
+    <p:sldId id="270" r:id="rId14"/>
+    <p:sldId id="266" r:id="rId15"/>
   </p:sldIdLst>
   <p:sldSz cx="12192000" cy="6858000"/>
   <p:notesSz cx="6858000" cy="9144000"/>
@@ -4150,6 +4152,194 @@
           <a:bodyPr/>
           <a:lstStyle/>
           <a:p>
+            <a:endParaRPr lang="en-US" dirty="0"/>
+          </a:p>
+        </p:txBody>
+      </p:sp>
+      <p:sp>
+        <p:nvSpPr>
+          <p:cNvPr id="3" name="Text Placeholder 2"/>
+          <p:cNvSpPr>
+            <a:spLocks noGrp="1"/>
+          </p:cNvSpPr>
+          <p:nvPr>
+            <p:ph type="body" idx="1"/>
+          </p:nvPr>
+        </p:nvSpPr>
+        <p:spPr/>
+        <p:txBody>
+          <a:bodyPr/>
+          <a:lstStyle/>
+          <a:p>
+            <a:endParaRPr lang="en-US"/>
+          </a:p>
+        </p:txBody>
+      </p:sp>
+      <p:sp>
+        <p:nvSpPr>
+          <p:cNvPr id="4" name="Footer Placeholder 3"/>
+          <p:cNvSpPr>
+            <a:spLocks noGrp="1"/>
+          </p:cNvSpPr>
+          <p:nvPr>
+            <p:ph type="ftr" sz="quarter" idx="10"/>
+          </p:nvPr>
+        </p:nvSpPr>
+        <p:spPr/>
+        <p:txBody>
+          <a:bodyPr/>
+          <a:lstStyle/>
+          <a:p>
+            <a:pPr algn="l"/>
+            <a:r>
+              <a:rPr lang="en-US" smtClean="0"/>
+              <a:t>@jacobladams          http://bit.ly/jaketsgems</a:t>
+            </a:r>
+            <a:endParaRPr lang="en-US" dirty="0"/>
+          </a:p>
+        </p:txBody>
+      </p:sp>
+    </p:spTree>
+    <p:extLst>
+      <p:ext uri="{BB962C8B-B14F-4D97-AF65-F5344CB8AC3E}">
+        <p14:creationId xmlns:p14="http://schemas.microsoft.com/office/powerpoint/2010/main" val="1296235542"/>
+      </p:ext>
+    </p:extLst>
+  </p:cSld>
+  <p:clrMapOvr>
+    <a:masterClrMapping/>
+  </p:clrMapOvr>
+</p:sld>
+</file>
+
+<file path=ppt/slides/slide13.xml><?xml version="1.0" encoding="utf-8"?>
+<p:sld xmlns:a="http://schemas.openxmlformats.org/drawingml/2006/main" xmlns:r="http://schemas.openxmlformats.org/officeDocument/2006/relationships" xmlns:p="http://schemas.openxmlformats.org/presentationml/2006/main">
+  <p:cSld>
+    <p:spTree>
+      <p:nvGrpSpPr>
+        <p:cNvPr id="1" name=""/>
+        <p:cNvGrpSpPr/>
+        <p:nvPr/>
+      </p:nvGrpSpPr>
+      <p:grpSpPr>
+        <a:xfrm>
+          <a:off x="0" y="0"/>
+          <a:ext cx="0" cy="0"/>
+          <a:chOff x="0" y="0"/>
+          <a:chExt cx="0" cy="0"/>
+        </a:xfrm>
+      </p:grpSpPr>
+      <p:sp>
+        <p:nvSpPr>
+          <p:cNvPr id="2" name="Title 1"/>
+          <p:cNvSpPr>
+            <a:spLocks noGrp="1"/>
+          </p:cNvSpPr>
+          <p:nvPr>
+            <p:ph type="title"/>
+          </p:nvPr>
+        </p:nvSpPr>
+        <p:spPr/>
+        <p:txBody>
+          <a:bodyPr/>
+          <a:lstStyle/>
+          <a:p>
+            <a:r>
+              <a:rPr lang="en-US" dirty="0" smtClean="0"/>
+              <a:t>More Demos</a:t>
+            </a:r>
+            <a:endParaRPr lang="en-US" dirty="0"/>
+          </a:p>
+        </p:txBody>
+      </p:sp>
+      <p:sp>
+        <p:nvSpPr>
+          <p:cNvPr id="3" name="Text Placeholder 2"/>
+          <p:cNvSpPr>
+            <a:spLocks noGrp="1"/>
+          </p:cNvSpPr>
+          <p:nvPr>
+            <p:ph type="body" idx="1"/>
+          </p:nvPr>
+        </p:nvSpPr>
+        <p:spPr/>
+        <p:txBody>
+          <a:bodyPr/>
+          <a:lstStyle/>
+          <a:p>
+            <a:endParaRPr lang="en-US"/>
+          </a:p>
+        </p:txBody>
+      </p:sp>
+      <p:sp>
+        <p:nvSpPr>
+          <p:cNvPr id="4" name="Footer Placeholder 3"/>
+          <p:cNvSpPr>
+            <a:spLocks noGrp="1"/>
+          </p:cNvSpPr>
+          <p:nvPr>
+            <p:ph type="ftr" sz="quarter" idx="10"/>
+          </p:nvPr>
+        </p:nvSpPr>
+        <p:spPr/>
+        <p:txBody>
+          <a:bodyPr/>
+          <a:lstStyle/>
+          <a:p>
+            <a:pPr algn="l"/>
+            <a:r>
+              <a:rPr lang="en-US" smtClean="0"/>
+              <a:t>@jacobladams          http://bit.ly/jaketsgems</a:t>
+            </a:r>
+            <a:endParaRPr lang="en-US" dirty="0"/>
+          </a:p>
+        </p:txBody>
+      </p:sp>
+    </p:spTree>
+    <p:extLst>
+      <p:ext uri="{BB962C8B-B14F-4D97-AF65-F5344CB8AC3E}">
+        <p14:creationId xmlns:p14="http://schemas.microsoft.com/office/powerpoint/2010/main" val="2179470097"/>
+      </p:ext>
+    </p:extLst>
+  </p:cSld>
+  <p:clrMapOvr>
+    <a:masterClrMapping/>
+  </p:clrMapOvr>
+</p:sld>
+</file>
+
+<file path=ppt/slides/slide14.xml><?xml version="1.0" encoding="utf-8"?>
+<p:sld xmlns:a="http://schemas.openxmlformats.org/drawingml/2006/main" xmlns:r="http://schemas.openxmlformats.org/officeDocument/2006/relationships" xmlns:p="http://schemas.openxmlformats.org/presentationml/2006/main">
+  <p:cSld>
+    <p:spTree>
+      <p:nvGrpSpPr>
+        <p:cNvPr id="1" name=""/>
+        <p:cNvGrpSpPr/>
+        <p:nvPr/>
+      </p:nvGrpSpPr>
+      <p:grpSpPr>
+        <a:xfrm>
+          <a:off x="0" y="0"/>
+          <a:ext cx="0" cy="0"/>
+          <a:chOff x="0" y="0"/>
+          <a:chExt cx="0" cy="0"/>
+        </a:xfrm>
+      </p:grpSpPr>
+      <p:sp>
+        <p:nvSpPr>
+          <p:cNvPr id="2" name="Title 1"/>
+          <p:cNvSpPr>
+            <a:spLocks noGrp="1"/>
+          </p:cNvSpPr>
+          <p:nvPr>
+            <p:ph type="title"/>
+          </p:nvPr>
+        </p:nvSpPr>
+        <p:spPr/>
+        <p:txBody>
+          <a:bodyPr/>
+          <a:lstStyle/>
+          <a:p>
             <a:r>
               <a:rPr lang="en-US" dirty="0" smtClean="0"/>
               <a:t>Additional Resources / Questions</a:t>
@@ -4172,6 +4362,72 @@
         <p:txBody>
           <a:bodyPr/>
           <a:lstStyle/>
+          <a:p>
+            <a:r>
+              <a:rPr lang="en-US" dirty="0" smtClean="0">
+                <a:hlinkClick r:id="rId2"/>
+              </a:rPr>
+              <a:t>10 </a:t>
+            </a:r>
+            <a:r>
+              <a:rPr lang="en-US" dirty="0" err="1" smtClean="0">
+                <a:hlinkClick r:id="rId2"/>
+              </a:rPr>
+              <a:t>TypeScript</a:t>
+            </a:r>
+            <a:r>
+              <a:rPr lang="en-US" dirty="0" smtClean="0">
+                <a:hlinkClick r:id="rId2"/>
+              </a:rPr>
+              <a:t> Features You Might Not Know</a:t>
+            </a:r>
+            <a:endParaRPr lang="en-US" dirty="0" smtClean="0"/>
+          </a:p>
+          <a:p>
+            <a:r>
+              <a:rPr lang="en-US" dirty="0" err="1" smtClean="0">
+                <a:hlinkClick r:id="rId3"/>
+              </a:rPr>
+              <a:t>TypeScript</a:t>
+            </a:r>
+            <a:r>
+              <a:rPr lang="en-US" dirty="0" smtClean="0">
+                <a:hlinkClick r:id="rId3"/>
+              </a:rPr>
+              <a:t> Advanced Types</a:t>
+            </a:r>
+            <a:endParaRPr lang="en-US" dirty="0" smtClean="0"/>
+          </a:p>
+          <a:p>
+            <a:r>
+              <a:rPr lang="en-US" dirty="0" err="1" smtClean="0">
+                <a:hlinkClick r:id="rId4"/>
+              </a:rPr>
+              <a:t>tsconfig.json</a:t>
+            </a:r>
+            <a:r>
+              <a:rPr lang="en-US" dirty="0" smtClean="0">
+                <a:hlinkClick r:id="rId4"/>
+              </a:rPr>
+              <a:t> Documentation</a:t>
+            </a:r>
+            <a:endParaRPr lang="en-US" dirty="0" smtClean="0"/>
+          </a:p>
+          <a:p>
+            <a:r>
+              <a:rPr lang="en-US" dirty="0" err="1" smtClean="0">
+                <a:hlinkClick r:id="rId5"/>
+              </a:rPr>
+              <a:t>TypeScript</a:t>
+            </a:r>
+            <a:r>
+              <a:rPr lang="en-US" dirty="0" smtClean="0">
+                <a:hlinkClick r:id="rId5"/>
+              </a:rPr>
+              <a:t> Compiler Options</a:t>
+            </a:r>
+            <a:endParaRPr lang="en-US" dirty="0" smtClean="0"/>
+          </a:p>
           <a:p>
             <a:endParaRPr lang="en-US" dirty="0"/>
           </a:p>

--- a/Hidden Gems In TypeScript.pptx
+++ b/Hidden Gems In TypeScript.pptx
@@ -12,7 +12,7 @@
     <p:sldId id="257" r:id="rId3"/>
     <p:sldId id="260" r:id="rId4"/>
     <p:sldId id="261" r:id="rId5"/>
-    <p:sldId id="259" r:id="rId6"/>
+    <p:sldId id="271" r:id="rId6"/>
     <p:sldId id="262" r:id="rId7"/>
     <p:sldId id="263" r:id="rId8"/>
     <p:sldId id="264" r:id="rId9"/>
@@ -5334,104 +5334,101 @@
       </p:grpSpPr>
       <p:sp>
         <p:nvSpPr>
-          <p:cNvPr id="2" name="Title 1">
+          <p:cNvPr id="2" name="Title 1"/>
+          <p:cNvSpPr>
+            <a:spLocks noGrp="1"/>
+          </p:cNvSpPr>
+          <p:nvPr>
+            <p:ph type="title"/>
+          </p:nvPr>
+        </p:nvSpPr>
+        <p:spPr/>
+        <p:txBody>
+          <a:bodyPr/>
+          <a:lstStyle/>
+          <a:p>
+            <a:r>
+              <a:rPr lang="en-US" dirty="0" smtClean="0"/>
+              <a:t>Advanced Types</a:t>
+            </a:r>
+            <a:endParaRPr lang="en-US" dirty="0"/>
+          </a:p>
+        </p:txBody>
+      </p:sp>
+      <p:sp>
+        <p:nvSpPr>
+          <p:cNvPr id="3" name="Footer Placeholder 2"/>
+          <p:cNvSpPr>
+            <a:spLocks noGrp="1"/>
+          </p:cNvSpPr>
+          <p:nvPr>
+            <p:ph type="ftr" sz="quarter" idx="11"/>
+          </p:nvPr>
+        </p:nvSpPr>
+        <p:spPr/>
+        <p:txBody>
+          <a:bodyPr/>
+          <a:lstStyle/>
+          <a:p>
+            <a:r>
+              <a:rPr lang="en-US" smtClean="0"/>
+              <a:t>@jacobladams          http://bit.ly/jaketsgems</a:t>
+            </a:r>
+            <a:endParaRPr lang="en-US" dirty="0"/>
+          </a:p>
+        </p:txBody>
+      </p:sp>
+      <p:pic>
+        <p:nvPicPr>
+          <p:cNvPr id="4" name="Picture 2" descr="Related image"/>
+          <p:cNvPicPr>
+            <a:picLocks noChangeAspect="1" noChangeArrowheads="1"/>
+          </p:cNvPicPr>
+          <p:nvPr/>
+        </p:nvPicPr>
+        <p:blipFill>
+          <a:blip r:embed="rId2">
             <a:extLst>
-              <a:ext uri="{FF2B5EF4-FFF2-40B4-BE49-F238E27FC236}">
-                <a16:creationId xmlns:a16="http://schemas.microsoft.com/office/drawing/2014/main" id="{49FCD186-497D-48B1-9400-81F36A80CFD5}"/>
+              <a:ext uri="{28A0092B-C50C-407E-A947-70E740481C1C}">
+                <a14:useLocalDpi xmlns:a14="http://schemas.microsoft.com/office/drawing/2010/main" val="0"/>
               </a:ext>
             </a:extLst>
-          </p:cNvPr>
-          <p:cNvSpPr>
-            <a:spLocks noGrp="1"/>
-          </p:cNvSpPr>
-          <p:nvPr>
-            <p:ph type="title"/>
-          </p:nvPr>
-        </p:nvSpPr>
-        <p:spPr/>
-        <p:txBody>
-          <a:bodyPr/>
-          <a:lstStyle/>
-          <a:p>
-            <a:r>
-              <a:rPr lang="en-US" dirty="0"/>
-              <a:t>Advanced Types</a:t>
-            </a:r>
-          </a:p>
-        </p:txBody>
-      </p:sp>
-      <p:sp>
-        <p:nvSpPr>
-          <p:cNvPr id="3" name="Text Placeholder 2">
-            <a:extLst>
-              <a:ext uri="{FF2B5EF4-FFF2-40B4-BE49-F238E27FC236}">
-                <a16:creationId xmlns:a16="http://schemas.microsoft.com/office/drawing/2014/main" id="{6770D74E-04DD-4D15-ACDB-AFC6B4FB1033}"/>
-              </a:ext>
-            </a:extLst>
-          </p:cNvPr>
-          <p:cNvSpPr>
-            <a:spLocks noGrp="1"/>
-          </p:cNvSpPr>
-          <p:nvPr>
-            <p:ph type="body" idx="1"/>
-          </p:nvPr>
-        </p:nvSpPr>
-        <p:spPr/>
-        <p:txBody>
-          <a:bodyPr/>
-          <a:lstStyle/>
-          <a:p>
-            <a:endParaRPr lang="en-US" dirty="0"/>
-          </a:p>
-        </p:txBody>
-      </p:sp>
-      <p:sp>
-        <p:nvSpPr>
-          <p:cNvPr id="4" name="Footer Placeholder 3">
-            <a:extLst>
-              <a:ext uri="{FF2B5EF4-FFF2-40B4-BE49-F238E27FC236}">
-                <a16:creationId xmlns:a16="http://schemas.microsoft.com/office/drawing/2014/main" id="{ABC0CD89-5D2E-4833-B70E-852F68E129F9}"/>
-              </a:ext>
-            </a:extLst>
-          </p:cNvPr>
-          <p:cNvSpPr>
-            <a:spLocks noGrp="1"/>
-          </p:cNvSpPr>
-          <p:nvPr>
-            <p:ph type="ftr" sz="quarter" idx="10"/>
-          </p:nvPr>
-        </p:nvSpPr>
-        <p:spPr/>
-        <p:txBody>
-          <a:bodyPr/>
-          <a:lstStyle/>
-          <a:p>
-            <a:pPr algn="l"/>
-            <a:r>
-              <a:rPr lang="en-US" smtClean="0"/>
-              <a:t>@jacobladams          http://bit.ly/jaketsgems</a:t>
-            </a:r>
-            <a:endParaRPr lang="en-US" dirty="0"/>
-          </a:p>
-        </p:txBody>
-      </p:sp>
+          </a:blip>
+          <a:srcRect/>
+          <a:stretch>
+            <a:fillRect/>
+          </a:stretch>
+        </p:blipFill>
+        <p:spPr bwMode="auto">
+          <a:xfrm>
+            <a:off x="838200" y="1586589"/>
+            <a:ext cx="6801816" cy="4569583"/>
+          </a:xfrm>
+          <a:prstGeom prst="rect">
+            <a:avLst/>
+          </a:prstGeom>
+          <a:noFill/>
+          <a:extLst>
+            <a:ext uri="{909E8E84-426E-40DD-AFC4-6F175D3DCCD1}">
+              <a14:hiddenFill xmlns:a14="http://schemas.microsoft.com/office/drawing/2010/main">
+                <a:solidFill>
+                  <a:srgbClr val="FFFFFF"/>
+                </a:solidFill>
+              </a14:hiddenFill>
+            </a:ext>
+          </a:extLst>
+        </p:spPr>
+      </p:pic>
     </p:spTree>
     <p:extLst>
       <p:ext uri="{BB962C8B-B14F-4D97-AF65-F5344CB8AC3E}">
-        <p14:creationId xmlns:p14="http://schemas.microsoft.com/office/powerpoint/2010/main" val="3426865345"/>
+        <p14:creationId xmlns:p14="http://schemas.microsoft.com/office/powerpoint/2010/main" val="3913176494"/>
       </p:ext>
     </p:extLst>
   </p:cSld>
   <p:clrMapOvr>
     <a:masterClrMapping/>
   </p:clrMapOvr>
-  <p:timing>
-    <p:tnLst>
-      <p:par>
-        <p:cTn id="1" dur="indefinite" restart="never" nodeType="tmRoot"/>
-      </p:par>
-    </p:tnLst>
-  </p:timing>
 </p:sld>
 </file>
 

--- a/Hidden Gems In TypeScript.pptx
+++ b/Hidden Gems In TypeScript.pptx
@@ -210,7 +210,7 @@
           <a:p>
             <a:fld id="{396F3607-515C-4AF3-AC23-58CE08B0DB41}" type="datetimeFigureOut">
               <a:rPr lang="en-US" smtClean="0"/>
-              <a:t>10/5/2018</a:t>
+              <a:t>10/9/2018</a:t>
             </a:fld>
             <a:endParaRPr lang="en-US"/>
           </a:p>
@@ -635,18 +635,17 @@
           </a:lstStyle>
           <a:p>
             <a:r>
-              <a:rPr lang="en-US" dirty="0" smtClean="0"/>
+              <a:rPr lang="en-US" dirty="0"/>
               <a:t>@</a:t>
             </a:r>
             <a:r>
-              <a:rPr lang="en-US" dirty="0" err="1" smtClean="0"/>
+              <a:rPr lang="en-US" dirty="0" err="1"/>
               <a:t>jacobladams</a:t>
             </a:r>
             <a:r>
-              <a:rPr lang="en-US" dirty="0" smtClean="0"/>
+              <a:rPr lang="en-US" dirty="0"/>
               <a:t>          http://bit.ly/jaketsgems</a:t>
             </a:r>
-            <a:endParaRPr lang="en-US" dirty="0"/>
           </a:p>
         </p:txBody>
       </p:sp>
@@ -828,10 +827,9 @@
           <a:lstStyle/>
           <a:p>
             <a:r>
-              <a:rPr lang="en-US" smtClean="0"/>
+              <a:rPr lang="en-US"/>
               <a:t>@jacobladams          http://bit.ly/jaketsgems</a:t>
             </a:r>
-            <a:endParaRPr lang="en-US"/>
           </a:p>
         </p:txBody>
       </p:sp>
@@ -1060,10 +1058,9 @@
           <a:lstStyle/>
           <a:p>
             <a:r>
-              <a:rPr lang="en-US" smtClean="0"/>
+              <a:rPr lang="en-US"/>
               <a:t>@jacobladams          http://bit.ly/jaketsgems</a:t>
             </a:r>
-            <a:endParaRPr lang="en-US"/>
           </a:p>
         </p:txBody>
       </p:sp>
@@ -1249,10 +1246,9 @@
           <a:lstStyle/>
           <a:p>
             <a:r>
-              <a:rPr lang="en-US" smtClean="0"/>
+              <a:rPr lang="en-US"/>
               <a:t>@jacobladams          http://bit.ly/jaketsgems</a:t>
             </a:r>
-            <a:endParaRPr lang="en-US"/>
           </a:p>
         </p:txBody>
       </p:sp>
@@ -1476,7 +1472,7 @@
           <a:p>
             <a:pPr algn="l"/>
             <a:r>
-              <a:rPr lang="en-US" smtClean="0"/>
+              <a:rPr lang="en-US"/>
               <a:t>@jacobladams          http://bit.ly/jaketsgems</a:t>
             </a:r>
             <a:endParaRPr lang="en-US" dirty="0"/>
@@ -1688,7 +1684,7 @@
           <a:p>
             <a:pPr algn="l"/>
             <a:r>
-              <a:rPr lang="en-US" smtClean="0"/>
+              <a:rPr lang="en-US"/>
               <a:t>@jacobladams          http://bit.ly/jaketsgems</a:t>
             </a:r>
             <a:endParaRPr lang="en-US" dirty="0"/>
@@ -2081,7 +2077,7 @@
           <a:p>
             <a:pPr algn="l"/>
             <a:r>
-              <a:rPr lang="en-US" smtClean="0"/>
+              <a:rPr lang="en-US"/>
               <a:t>@jacobladams          http://bit.ly/jaketsgems</a:t>
             </a:r>
             <a:endParaRPr lang="en-US" dirty="0"/>
@@ -2176,18 +2172,17 @@
           <a:lstStyle/>
           <a:p>
             <a:r>
-              <a:rPr lang="en-US" dirty="0" smtClean="0"/>
+              <a:rPr lang="en-US" dirty="0"/>
               <a:t>@</a:t>
             </a:r>
             <a:r>
-              <a:rPr lang="en-US" dirty="0" err="1" smtClean="0"/>
+              <a:rPr lang="en-US" dirty="0" err="1"/>
               <a:t>jacobladams</a:t>
             </a:r>
             <a:r>
-              <a:rPr lang="en-US" dirty="0" smtClean="0"/>
+              <a:rPr lang="en-US" dirty="0"/>
               <a:t>          http://bit.ly/jaketsgems</a:t>
             </a:r>
-            <a:endParaRPr lang="en-US" dirty="0"/>
           </a:p>
         </p:txBody>
       </p:sp>
@@ -2284,10 +2279,9 @@
           <a:lstStyle/>
           <a:p>
             <a:r>
-              <a:rPr lang="en-US" smtClean="0"/>
+              <a:rPr lang="en-US"/>
               <a:t>@jacobladams          http://bit.ly/jaketsgems</a:t>
             </a:r>
-            <a:endParaRPr lang="en-US"/>
           </a:p>
         </p:txBody>
       </p:sp>
@@ -2619,10 +2613,9 @@
           <a:lstStyle/>
           <a:p>
             <a:r>
-              <a:rPr lang="en-US" smtClean="0"/>
+              <a:rPr lang="en-US"/>
               <a:t>@jacobladams          http://bit.ly/jaketsgems</a:t>
             </a:r>
-            <a:endParaRPr lang="en-US"/>
           </a:p>
         </p:txBody>
       </p:sp>
@@ -2931,10 +2924,9 @@
           <a:lstStyle/>
           <a:p>
             <a:r>
-              <a:rPr lang="en-US" smtClean="0"/>
+              <a:rPr lang="en-US"/>
               <a:t>@jacobladams          http://bit.ly/jaketsgems</a:t>
             </a:r>
-            <a:endParaRPr lang="en-US"/>
           </a:p>
         </p:txBody>
       </p:sp>
@@ -3150,7 +3142,7 @@
           <a:p>
             <a:pPr algn="l"/>
             <a:r>
-              <a:rPr lang="en-US" smtClean="0"/>
+              <a:rPr lang="en-US"/>
               <a:t>@jacobladams          http://bit.ly/jaketsgems</a:t>
             </a:r>
             <a:endParaRPr lang="en-US" dirty="0"/>
@@ -3599,7 +3591,7 @@
           <a:p>
             <a:pPr algn="l"/>
             <a:r>
-              <a:rPr lang="en-US" smtClean="0"/>
+              <a:rPr lang="en-US"/>
               <a:t>@jacobladams          http://bit.ly/jaketsgems</a:t>
             </a:r>
             <a:endParaRPr lang="en-US" dirty="0"/>
@@ -3616,13 +3608,6 @@
   <p:clrMapOvr>
     <a:masterClrMapping/>
   </p:clrMapOvr>
-  <p:timing>
-    <p:tnLst>
-      <p:par>
-        <p:cTn id="1" dur="indefinite" restart="never" nodeType="tmRoot"/>
-      </p:par>
-    </p:tnLst>
-  </p:timing>
 </p:sld>
 </file>
 
@@ -3663,7 +3648,7 @@
               <a:t>declaration / </a:t>
             </a:r>
             <a:r>
-              <a:rPr lang="en-US" dirty="0" err="1" smtClean="0"/>
+              <a:rPr lang="en-US" dirty="0" err="1"/>
               <a:t>emitDeclarationsOnly</a:t>
             </a:r>
             <a:endParaRPr lang="en-US" dirty="0"/>
@@ -3718,11 +3703,7 @@
             </a:pPr>
             <a:r>
               <a:rPr lang="en-US" dirty="0"/>
-              <a:t>        "</a:t>
-            </a:r>
-            <a:r>
-              <a:rPr lang="en-US" dirty="0" smtClean="0"/>
-              <a:t>declaration": true,</a:t>
+              <a:t>        "declaration": true,</a:t>
             </a:r>
           </a:p>
           <a:p>
@@ -3731,29 +3712,16 @@
             </a:pPr>
             <a:r>
               <a:rPr lang="en-US" dirty="0"/>
-              <a:t> </a:t>
-            </a:r>
-            <a:r>
-              <a:rPr lang="en-US" dirty="0" smtClean="0"/>
-              <a:t>       “</a:t>
-            </a:r>
-            <a:r>
-              <a:rPr lang="en-US" dirty="0" err="1" smtClean="0"/>
+              <a:t>        “</a:t>
+            </a:r>
+            <a:r>
+              <a:rPr lang="en-US" dirty="0" err="1"/>
               <a:t>emitDeclarationsOnly</a:t>
             </a:r>
             <a:r>
-              <a:rPr lang="en-US" dirty="0" smtClean="0"/>
-              <a:t>": </a:t>
-            </a:r>
-            <a:r>
-              <a:rPr lang="en-US" dirty="0"/>
-              <a:t>true</a:t>
-            </a:r>
-            <a:r>
-              <a:rPr lang="en-US" dirty="0" smtClean="0"/>
-              <a:t>,</a:t>
-            </a:r>
-            <a:endParaRPr lang="en-US" dirty="0"/>
+              <a:rPr lang="en-US" dirty="0"/>
+              <a:t>": true,</a:t>
+            </a:r>
           </a:p>
           <a:p>
             <a:pPr marL="0" indent="0">
@@ -3784,34 +3752,29 @@
               <a:buNone/>
             </a:pPr>
             <a:r>
-              <a:rPr lang="en-US" dirty="0" smtClean="0"/>
+              <a:rPr lang="en-US" dirty="0"/>
               <a:t>Creates a .</a:t>
             </a:r>
             <a:r>
-              <a:rPr lang="en-US" dirty="0" err="1" smtClean="0"/>
+              <a:rPr lang="en-US" dirty="0" err="1"/>
               <a:t>d.ts</a:t>
             </a:r>
             <a:r>
               <a:rPr lang="en-US" dirty="0"/>
-              <a:t> </a:t>
-            </a:r>
-            <a:r>
-              <a:rPr lang="en-US" dirty="0" smtClean="0"/>
-              <a:t>file including interfaces and ambient types from your .</a:t>
-            </a:r>
-            <a:r>
-              <a:rPr lang="en-US" dirty="0" err="1" smtClean="0"/>
+              <a:t> file including interfaces and ambient types from your .</a:t>
+            </a:r>
+            <a:r>
+              <a:rPr lang="en-US" dirty="0" err="1"/>
               <a:t>ts</a:t>
             </a:r>
             <a:r>
-              <a:rPr lang="en-US" dirty="0" smtClean="0"/>
+              <a:rPr lang="en-US" dirty="0"/>
               <a:t> files</a:t>
             </a:r>
+          </a:p>
+          <a:p>
             <a:endParaRPr lang="en-US" dirty="0"/>
           </a:p>
-          <a:p>
-            <a:endParaRPr lang="en-US" dirty="0"/>
-          </a:p>
         </p:txBody>
       </p:sp>
       <p:sp>
@@ -3830,10 +3793,9 @@
           <a:lstStyle/>
           <a:p>
             <a:r>
-              <a:rPr lang="en-US" smtClean="0"/>
+              <a:rPr lang="en-US"/>
               <a:t>@jacobladams          http://bit.ly/jaketsgems</a:t>
             </a:r>
-            <a:endParaRPr lang="en-US"/>
           </a:p>
         </p:txBody>
       </p:sp>
@@ -3847,13 +3809,6 @@
   <p:clrMapOvr>
     <a:masterClrMapping/>
   </p:clrMapOvr>
-  <p:timing>
-    <p:tnLst>
-      <p:par>
-        <p:cTn id="1" dur="indefinite" restart="never" nodeType="tmRoot"/>
-      </p:par>
-    </p:tnLst>
-  </p:timing>
 </p:sld>
 </file>
 
@@ -3890,7 +3845,7 @@
           <a:lstStyle/>
           <a:p>
             <a:r>
-              <a:rPr lang="en-US" dirty="0" err="1" smtClean="0"/>
+              <a:rPr lang="en-US" dirty="0" err="1"/>
               <a:t>typeVersions</a:t>
             </a:r>
             <a:endParaRPr lang="en-US" dirty="0"/>
@@ -3918,10 +3873,10 @@
               <a:buNone/>
             </a:pPr>
             <a:r>
-              <a:rPr lang="en-US" dirty="0" err="1" smtClean="0"/>
+              <a:rPr lang="en-US" dirty="0" err="1"/>
               <a:t>package.json</a:t>
             </a:r>
-            <a:endParaRPr lang="en-US" dirty="0" smtClean="0"/>
+            <a:endParaRPr lang="en-US" dirty="0"/>
           </a:p>
           <a:p>
             <a:pPr marL="0" indent="0">
@@ -3962,13 +3917,8 @@
             </a:pPr>
             <a:r>
               <a:rPr lang="en-US" dirty="0"/>
-              <a:t>  </a:t>
-            </a:r>
-            <a:r>
-              <a:rPr lang="en-US" dirty="0" smtClean="0"/>
-              <a:t>…</a:t>
-            </a:r>
-            <a:endParaRPr lang="en-US" dirty="0"/>
+              <a:t>  …</a:t>
+            </a:r>
           </a:p>
           <a:p>
             <a:pPr marL="0" indent="0">
@@ -4035,7 +3985,7 @@
               <a:buNone/>
             </a:pPr>
             <a:r>
-              <a:rPr lang="en-US" dirty="0" smtClean="0"/>
+              <a:rPr lang="en-US" dirty="0"/>
               <a:t>}</a:t>
             </a:r>
           </a:p>
@@ -4050,30 +4000,29 @@
               <a:buNone/>
             </a:pPr>
             <a:r>
-              <a:rPr lang="en-US" dirty="0" err="1" smtClean="0"/>
+              <a:rPr lang="en-US" dirty="0" err="1"/>
               <a:t>Lets</a:t>
             </a:r>
             <a:r>
-              <a:rPr lang="en-US" dirty="0" smtClean="0"/>
+              <a:rPr lang="en-US" dirty="0"/>
               <a:t> library authors target multiple versions of </a:t>
             </a:r>
             <a:r>
-              <a:rPr lang="en-US" dirty="0" err="1" smtClean="0"/>
+              <a:rPr lang="en-US" dirty="0" err="1"/>
               <a:t>TypeScript</a:t>
             </a:r>
             <a:r>
-              <a:rPr lang="en-US" dirty="0" smtClean="0"/>
+              <a:rPr lang="en-US" dirty="0"/>
               <a:t> (similar to </a:t>
             </a:r>
             <a:r>
-              <a:rPr lang="en-US" dirty="0" err="1" smtClean="0"/>
+              <a:rPr lang="en-US" dirty="0" err="1"/>
               <a:t>NuGet</a:t>
             </a:r>
             <a:r>
-              <a:rPr lang="en-US" dirty="0" smtClean="0"/>
+              <a:rPr lang="en-US" dirty="0"/>
               <a:t>)</a:t>
             </a:r>
-            <a:endParaRPr lang="en-US" dirty="0"/>
           </a:p>
         </p:txBody>
       </p:sp>
@@ -4093,10 +4042,9 @@
           <a:lstStyle/>
           <a:p>
             <a:r>
-              <a:rPr lang="en-US" smtClean="0"/>
+              <a:rPr lang="en-US"/>
               <a:t>@jacobladams          http://bit.ly/jaketsgems</a:t>
             </a:r>
-            <a:endParaRPr lang="en-US"/>
           </a:p>
         </p:txBody>
       </p:sp>
@@ -4110,13 +4058,6 @@
   <p:clrMapOvr>
     <a:masterClrMapping/>
   </p:clrMapOvr>
-  <p:timing>
-    <p:tnLst>
-      <p:par>
-        <p:cTn id="1" dur="indefinite" restart="never" nodeType="tmRoot"/>
-      </p:par>
-    </p:tnLst>
-  </p:timing>
 </p:sld>
 </file>
 
@@ -4192,7 +4133,7 @@
           <a:p>
             <a:pPr algn="l"/>
             <a:r>
-              <a:rPr lang="en-US" smtClean="0"/>
+              <a:rPr lang="en-US"/>
               <a:t>@jacobladams          http://bit.ly/jaketsgems</a:t>
             </a:r>
             <a:endParaRPr lang="en-US" dirty="0"/>
@@ -4245,10 +4186,9 @@
           <a:lstStyle/>
           <a:p>
             <a:r>
-              <a:rPr lang="en-US" dirty="0" smtClean="0"/>
+              <a:rPr lang="en-US" dirty="0"/>
               <a:t>More Demos</a:t>
             </a:r>
-            <a:endParaRPr lang="en-US" dirty="0"/>
           </a:p>
         </p:txBody>
       </p:sp>
@@ -4288,7 +4228,7 @@
           <a:p>
             <a:pPr algn="l"/>
             <a:r>
-              <a:rPr lang="en-US" smtClean="0"/>
+              <a:rPr lang="en-US"/>
               <a:t>@jacobladams          http://bit.ly/jaketsgems</a:t>
             </a:r>
             <a:endParaRPr lang="en-US" dirty="0"/>
@@ -4341,10 +4281,9 @@
           <a:lstStyle/>
           <a:p>
             <a:r>
-              <a:rPr lang="en-US" dirty="0" smtClean="0"/>
+              <a:rPr lang="en-US" dirty="0"/>
               <a:t>Additional Resources / Questions</a:t>
             </a:r>
-            <a:endParaRPr lang="en-US" dirty="0"/>
           </a:p>
         </p:txBody>
       </p:sp>
@@ -4364,73 +4303,76 @@
           <a:lstStyle/>
           <a:p>
             <a:r>
-              <a:rPr lang="en-US" dirty="0" smtClean="0">
+              <a:rPr lang="en-US" dirty="0">
                 <a:hlinkClick r:id="rId2"/>
               </a:rPr>
               <a:t>10 </a:t>
             </a:r>
             <a:r>
-              <a:rPr lang="en-US" dirty="0" err="1" smtClean="0">
+              <a:rPr lang="en-US" dirty="0" err="1">
                 <a:hlinkClick r:id="rId2"/>
               </a:rPr>
               <a:t>TypeScript</a:t>
             </a:r>
             <a:r>
-              <a:rPr lang="en-US" dirty="0" smtClean="0">
+              <a:rPr lang="en-US" dirty="0">
                 <a:hlinkClick r:id="rId2"/>
               </a:rPr>
               <a:t> Features You Might Not Know</a:t>
             </a:r>
-            <a:endParaRPr lang="en-US" dirty="0" smtClean="0"/>
-          </a:p>
-          <a:p>
-            <a:r>
-              <a:rPr lang="en-US" dirty="0" err="1" smtClean="0">
+            <a:endParaRPr lang="en-US" dirty="0"/>
+          </a:p>
+          <a:p>
+            <a:r>
+              <a:rPr lang="en-US" dirty="0" err="1">
                 <a:hlinkClick r:id="rId3"/>
               </a:rPr>
               <a:t>TypeScript</a:t>
             </a:r>
             <a:r>
-              <a:rPr lang="en-US" dirty="0" smtClean="0">
+              <a:rPr lang="en-US" dirty="0">
                 <a:hlinkClick r:id="rId3"/>
               </a:rPr>
               <a:t> Advanced Types</a:t>
             </a:r>
-            <a:endParaRPr lang="en-US" dirty="0" smtClean="0"/>
-          </a:p>
-          <a:p>
-            <a:r>
-              <a:rPr lang="en-US" dirty="0" err="1" smtClean="0">
+            <a:endParaRPr lang="en-US" dirty="0"/>
+          </a:p>
+          <a:p>
+            <a:r>
+              <a:rPr lang="en-US" dirty="0" err="1">
                 <a:hlinkClick r:id="rId4"/>
               </a:rPr>
               <a:t>tsconfig.json</a:t>
             </a:r>
             <a:r>
-              <a:rPr lang="en-US" dirty="0" smtClean="0">
+              <a:rPr lang="en-US" dirty="0">
                 <a:hlinkClick r:id="rId4"/>
               </a:rPr>
               <a:t> Documentation</a:t>
             </a:r>
-            <a:endParaRPr lang="en-US" dirty="0" smtClean="0"/>
-          </a:p>
-          <a:p>
-            <a:r>
-              <a:rPr lang="en-US" dirty="0" err="1" smtClean="0">
+            <a:endParaRPr lang="en-US" dirty="0"/>
+          </a:p>
+          <a:p>
+            <a:r>
+              <a:rPr lang="en-US" dirty="0">
                 <a:hlinkClick r:id="rId5"/>
               </a:rPr>
-              <a:t>TypeScript</a:t>
-            </a:r>
-            <a:r>
-              <a:rPr lang="en-US" dirty="0" smtClean="0">
-                <a:hlinkClick r:id="rId5"/>
+              <a:t>TypeScript Compiler Options</a:t>
+            </a:r>
+            <a:endParaRPr lang="en-US" dirty="0"/>
+          </a:p>
+          <a:p>
+            <a:r>
+              <a:rPr lang="en-US" dirty="0">
+                <a:hlinkClick r:id="rId6"/>
               </a:rPr>
-              <a:t> Compiler Options</a:t>
-            </a:r>
-            <a:endParaRPr lang="en-US" dirty="0" smtClean="0"/>
-          </a:p>
-          <a:p>
+              <a:t>The Fantastic 4: TypeScript features I’ve come to know and love</a:t>
+            </a:r>
             <a:endParaRPr lang="en-US" dirty="0"/>
           </a:p>
+          <a:p>
+            <a:endParaRPr lang="en-US" dirty="0"/>
+          </a:p>
         </p:txBody>
       </p:sp>
       <p:sp>
@@ -4449,10 +4391,9 @@
           <a:lstStyle/>
           <a:p>
             <a:r>
-              <a:rPr lang="en-US" smtClean="0"/>
+              <a:rPr lang="en-US"/>
               <a:t>@jacobladams          http://bit.ly/jaketsgems</a:t>
             </a:r>
-            <a:endParaRPr lang="en-US"/>
           </a:p>
         </p:txBody>
       </p:sp>
@@ -4466,13 +4407,6 @@
   <p:clrMapOvr>
     <a:masterClrMapping/>
   </p:clrMapOvr>
-  <p:timing>
-    <p:tnLst>
-      <p:par>
-        <p:cTn id="1" dur="indefinite" restart="never" nodeType="tmRoot"/>
-      </p:par>
-    </p:tnLst>
-  </p:timing>
 </p:sld>
 </file>
 
@@ -4546,7 +4480,7 @@
               <a:buNone/>
             </a:pPr>
             <a:r>
-              <a:rPr lang="en-US" dirty="0" smtClean="0"/>
+              <a:rPr lang="en-US" dirty="0"/>
               <a:t>Jake Adams</a:t>
             </a:r>
           </a:p>
@@ -4555,7 +4489,7 @@
               <a:buNone/>
             </a:pPr>
             <a:r>
-              <a:rPr lang="en-US" dirty="0" smtClean="0"/>
+              <a:rPr lang="en-US" dirty="0"/>
               <a:t>Father / Husband</a:t>
             </a:r>
           </a:p>
@@ -4564,7 +4498,7 @@
               <a:buNone/>
             </a:pPr>
             <a:r>
-              <a:rPr lang="en-US" dirty="0" smtClean="0"/>
+              <a:rPr lang="en-US" dirty="0"/>
               <a:t>Senior Software Architect - Thompson Coburn LLP</a:t>
             </a:r>
           </a:p>
@@ -4579,24 +4513,23 @@
               <a:buNone/>
             </a:pPr>
             <a:r>
-              <a:rPr lang="en-US" dirty="0" smtClean="0"/>
+              <a:rPr lang="en-US" dirty="0"/>
               <a:t>twitter - @</a:t>
             </a:r>
             <a:r>
-              <a:rPr lang="en-US" dirty="0" err="1" smtClean="0"/>
+              <a:rPr lang="en-US" dirty="0" err="1"/>
               <a:t>jacobladams</a:t>
             </a:r>
-            <a:endParaRPr lang="en-US" dirty="0" smtClean="0"/>
+            <a:endParaRPr lang="en-US" dirty="0"/>
           </a:p>
           <a:p>
             <a:pPr marL="0" indent="0">
               <a:buNone/>
             </a:pPr>
             <a:r>
-              <a:rPr lang="en-US" dirty="0" smtClean="0"/>
+              <a:rPr lang="en-US" dirty="0"/>
               <a:t>http://github.com/jacobladams</a:t>
             </a:r>
-            <a:endParaRPr lang="en-US" dirty="0"/>
           </a:p>
           <a:p>
             <a:pPr marL="0" indent="0">
@@ -4628,7 +4561,7 @@
           <a:lstStyle/>
           <a:p>
             <a:r>
-              <a:rPr lang="en-US" smtClean="0"/>
+              <a:rPr lang="en-US"/>
               <a:t>@jacobladams          http://bit.ly/jaketsgems</a:t>
             </a:r>
             <a:endParaRPr lang="en-US" dirty="0"/>
@@ -4645,13 +4578,6 @@
   <p:clrMapOvr>
     <a:masterClrMapping/>
   </p:clrMapOvr>
-  <p:timing>
-    <p:tnLst>
-      <p:par>
-        <p:cTn id="1" dur="indefinite" restart="never" nodeType="tmRoot"/>
-      </p:par>
-    </p:tnLst>
-  </p:timing>
 </p:sld>
 </file>
 
@@ -4738,12 +4664,8 @@
           <a:p>
             <a:pPr lvl="1"/>
             <a:r>
-              <a:rPr lang="en-US" dirty="0" smtClean="0"/>
-              <a:t>Type </a:t>
-            </a:r>
-            <a:r>
-              <a:rPr lang="en-US" dirty="0"/>
-              <a:t>Guard - </a:t>
+              <a:rPr lang="en-US" dirty="0"/>
+              <a:t>Type Guard - </a:t>
             </a:r>
             <a:r>
               <a:rPr lang="en-US" dirty="0" err="1"/>
@@ -4762,14 +4684,14 @@
           <a:p>
             <a:pPr lvl="1"/>
             <a:r>
-              <a:rPr lang="en-US" dirty="0" smtClean="0"/>
+              <a:rPr lang="en-US" dirty="0"/>
               <a:t>Type Aliases</a:t>
             </a:r>
           </a:p>
           <a:p>
             <a:pPr lvl="1"/>
             <a:r>
-              <a:rPr lang="en-US" dirty="0" err="1" smtClean="0"/>
+              <a:rPr lang="en-US" dirty="0" err="1"/>
               <a:t>readonly</a:t>
             </a:r>
             <a:endParaRPr lang="en-US" dirty="0"/>
@@ -4777,10 +4699,9 @@
           <a:p>
             <a:pPr lvl="1"/>
             <a:r>
-              <a:rPr lang="en-US" dirty="0" smtClean="0"/>
+              <a:rPr lang="en-US" dirty="0"/>
               <a:t>Literal Types</a:t>
             </a:r>
-            <a:endParaRPr lang="en-US" dirty="0"/>
           </a:p>
           <a:p>
             <a:r>
@@ -4808,106 +4729,96 @@
           </a:p>
           <a:p>
             <a:r>
-              <a:rPr lang="en-US" dirty="0" smtClean="0"/>
+              <a:rPr lang="en-US" dirty="0"/>
               <a:t>Configuration</a:t>
             </a:r>
+          </a:p>
+          <a:p>
+            <a:pPr lvl="1"/>
+            <a:r>
+              <a:rPr lang="en-US" dirty="0" err="1"/>
+              <a:t>tsc</a:t>
+            </a:r>
+            <a:r>
+              <a:rPr lang="en-US" dirty="0"/>
+              <a:t> --</a:t>
+            </a:r>
+            <a:r>
+              <a:rPr lang="en-US" dirty="0" err="1"/>
+              <a:t>init</a:t>
+            </a:r>
             <a:endParaRPr lang="en-US" dirty="0"/>
           </a:p>
           <a:p>
             <a:pPr lvl="1"/>
             <a:r>
               <a:rPr lang="en-US" dirty="0" err="1"/>
-              <a:t>t</a:t>
-            </a:r>
-            <a:r>
-              <a:rPr lang="en-US" dirty="0" err="1" smtClean="0"/>
-              <a:t>sc</a:t>
-            </a:r>
-            <a:r>
-              <a:rPr lang="en-US" dirty="0" smtClean="0"/>
-              <a:t> --</a:t>
-            </a:r>
-            <a:r>
-              <a:rPr lang="en-US" dirty="0" err="1" smtClean="0"/>
-              <a:t>init</a:t>
+              <a:t>skipLibCheck</a:t>
             </a:r>
             <a:endParaRPr lang="en-US" dirty="0"/>
           </a:p>
           <a:p>
             <a:pPr lvl="1"/>
             <a:r>
-              <a:rPr lang="en-US" dirty="0" err="1" smtClean="0"/>
-              <a:t>skipLibCheck</a:t>
+              <a:rPr lang="en-US" dirty="0"/>
+              <a:t>declaration / </a:t>
+            </a:r>
+            <a:r>
+              <a:rPr lang="en-US" dirty="0" err="1"/>
+              <a:t>emitDeclarationsOnly</a:t>
             </a:r>
             <a:endParaRPr lang="en-US" dirty="0"/>
           </a:p>
           <a:p>
             <a:pPr lvl="1"/>
             <a:r>
-              <a:rPr lang="en-US" dirty="0" smtClean="0"/>
-              <a:t>declaration / </a:t>
-            </a:r>
-            <a:r>
-              <a:rPr lang="en-US" dirty="0" err="1" smtClean="0"/>
-              <a:t>emitDeclarationsOnly</a:t>
-            </a:r>
-            <a:endParaRPr lang="en-US" dirty="0" smtClean="0"/>
+              <a:rPr lang="en-US" dirty="0" err="1"/>
+              <a:t>typeVersions</a:t>
+            </a:r>
+            <a:endParaRPr lang="en-US" dirty="0"/>
           </a:p>
           <a:p>
             <a:pPr lvl="1"/>
             <a:r>
-              <a:rPr lang="en-US" dirty="0" err="1" smtClean="0"/>
-              <a:t>typeVersions</a:t>
-            </a:r>
-            <a:endParaRPr lang="en-US" dirty="0" smtClean="0"/>
+              <a:rPr lang="en-US" dirty="0" err="1"/>
+              <a:t>allowJs</a:t>
+            </a:r>
+            <a:r>
+              <a:rPr lang="en-US" dirty="0"/>
+              <a:t> / </a:t>
+            </a:r>
+            <a:r>
+              <a:rPr lang="en-US" dirty="0" err="1"/>
+              <a:t>checkJs</a:t>
+            </a:r>
+            <a:endParaRPr lang="en-US" dirty="0"/>
           </a:p>
           <a:p>
             <a:pPr lvl="1"/>
             <a:r>
-              <a:rPr lang="en-US" dirty="0" err="1" smtClean="0"/>
-              <a:t>allowJs</a:t>
-            </a:r>
-            <a:r>
-              <a:rPr lang="en-US" dirty="0" smtClean="0"/>
-              <a:t> </a:t>
-            </a:r>
-            <a:r>
-              <a:rPr lang="en-US" dirty="0"/>
-              <a:t>/ </a:t>
-            </a:r>
-            <a:r>
-              <a:rPr lang="en-US" dirty="0" err="1" smtClean="0"/>
-              <a:t>checkJs</a:t>
-            </a:r>
-            <a:endParaRPr lang="en-US" dirty="0" smtClean="0"/>
+              <a:rPr lang="en-US" dirty="0" err="1"/>
+              <a:t>strictNullChecks</a:t>
+            </a:r>
+            <a:r>
+              <a:rPr lang="en-US" dirty="0"/>
+              <a:t> / </a:t>
+            </a:r>
+            <a:r>
+              <a:rPr lang="en-US" dirty="0" err="1"/>
+              <a:t>Nullable</a:t>
+            </a:r>
+            <a:r>
+              <a:rPr lang="en-US" dirty="0"/>
+              <a:t> Types</a:t>
+            </a:r>
           </a:p>
           <a:p>
             <a:pPr lvl="1"/>
             <a:r>
-              <a:rPr lang="en-US" dirty="0" err="1" smtClean="0"/>
-              <a:t>strictNullChecks</a:t>
-            </a:r>
-            <a:r>
-              <a:rPr lang="en-US" dirty="0" smtClean="0"/>
-              <a:t> / </a:t>
-            </a:r>
-            <a:r>
-              <a:rPr lang="en-US" dirty="0" err="1" smtClean="0"/>
-              <a:t>Nullable</a:t>
-            </a:r>
-            <a:r>
-              <a:rPr lang="en-US" dirty="0" smtClean="0"/>
-              <a:t> Types</a:t>
+              <a:rPr lang="en-US" dirty="0" err="1"/>
+              <a:t>suppressExcessPropertyErrors</a:t>
             </a:r>
             <a:endParaRPr lang="en-US" dirty="0"/>
-          </a:p>
-          <a:p>
-            <a:pPr lvl="1"/>
-            <a:r>
-              <a:rPr lang="en-US" dirty="0" err="1" smtClean="0"/>
-              <a:t>suppressExcessPropertyErrors</a:t>
-            </a:r>
-            <a:endParaRPr lang="en-US" dirty="0" smtClean="0"/>
           </a:p>
         </p:txBody>
       </p:sp>
@@ -4933,10 +4844,9 @@
           <a:lstStyle/>
           <a:p>
             <a:r>
-              <a:rPr lang="en-US" smtClean="0"/>
+              <a:rPr lang="en-US"/>
               <a:t>@jacobladams          http://bit.ly/jaketsgems</a:t>
             </a:r>
-            <a:endParaRPr lang="en-US"/>
           </a:p>
         </p:txBody>
       </p:sp>
@@ -5056,13 +4966,6 @@
   <p:clrMapOvr>
     <a:masterClrMapping/>
   </p:clrMapOvr>
-  <p:timing>
-    <p:tnLst>
-      <p:par>
-        <p:cTn id="1" dur="indefinite" restart="never" nodeType="tmRoot"/>
-      </p:par>
-    </p:tnLst>
-  </p:timing>
 </p:sld>
 </file>
 
@@ -5136,124 +5039,97 @@
           <a:p>
             <a:r>
               <a:rPr lang="en-US" dirty="0"/>
-              <a:t>Advanced </a:t>
-            </a:r>
-            <a:r>
-              <a:rPr lang="en-US" dirty="0" smtClean="0"/>
-              <a:t>Types</a:t>
+              <a:t>Advanced Types</a:t>
             </a:r>
           </a:p>
           <a:p>
             <a:pPr lvl="1"/>
             <a:r>
               <a:rPr lang="en-US" dirty="0"/>
-              <a:t>Intersection </a:t>
-            </a:r>
-            <a:r>
-              <a:rPr lang="en-US" dirty="0" smtClean="0"/>
-              <a:t>Types</a:t>
+              <a:t>Intersection Types</a:t>
             </a:r>
           </a:p>
           <a:p>
             <a:pPr lvl="1"/>
             <a:r>
               <a:rPr lang="en-US" dirty="0"/>
-              <a:t>Unknown </a:t>
-            </a:r>
-            <a:r>
-              <a:rPr lang="en-US" dirty="0" smtClean="0"/>
-              <a:t>Type</a:t>
+              <a:t>Unknown Type</a:t>
+            </a:r>
+          </a:p>
+          <a:p>
+            <a:pPr lvl="1"/>
+            <a:r>
+              <a:rPr lang="en-US" dirty="0"/>
+              <a:t>Never type</a:t>
+            </a:r>
+          </a:p>
+          <a:p>
+            <a:pPr lvl="1"/>
+            <a:r>
+              <a:rPr lang="en-US" dirty="0"/>
+              <a:t>Index Types</a:t>
+            </a:r>
+          </a:p>
+          <a:p>
+            <a:pPr lvl="1"/>
+            <a:r>
+              <a:rPr lang="en-US" dirty="0"/>
+              <a:t>Conditional Types</a:t>
+            </a:r>
+          </a:p>
+          <a:p>
+            <a:r>
+              <a:rPr lang="en-US" dirty="0"/>
+              <a:t>ES 2015 Features</a:t>
+            </a:r>
+          </a:p>
+          <a:p>
+            <a:pPr lvl="1"/>
+            <a:r>
+              <a:rPr lang="en-US" dirty="0"/>
+              <a:t>Template strings</a:t>
+            </a:r>
+          </a:p>
+          <a:p>
+            <a:pPr lvl="1"/>
+            <a:r>
+              <a:rPr lang="en-US" dirty="0" err="1"/>
+              <a:t>Destructuring</a:t>
             </a:r>
             <a:endParaRPr lang="en-US" dirty="0"/>
           </a:p>
           <a:p>
+            <a:r>
+              <a:rPr lang="en-US" dirty="0"/>
+              <a:t>Configuration</a:t>
+            </a:r>
+          </a:p>
+          <a:p>
             <a:pPr lvl="1"/>
             <a:r>
               <a:rPr lang="en-US" dirty="0"/>
-              <a:t>Never type</a:t>
+              <a:t>lib</a:t>
             </a:r>
           </a:p>
           <a:p>
             <a:pPr lvl="1"/>
             <a:r>
-              <a:rPr lang="en-US" dirty="0"/>
-              <a:t>Index </a:t>
-            </a:r>
-            <a:r>
-              <a:rPr lang="en-US" dirty="0" smtClean="0"/>
-              <a:t>Types</a:t>
-            </a:r>
+              <a:rPr lang="en-US" dirty="0" err="1"/>
+              <a:t>listfiles</a:t>
+            </a:r>
+            <a:endParaRPr lang="en-US" dirty="0"/>
           </a:p>
           <a:p>
             <a:pPr lvl="1"/>
             <a:r>
-              <a:rPr lang="en-US" dirty="0" smtClean="0"/>
-              <a:t>Conditional Types</a:t>
+              <a:rPr lang="en-US" dirty="0" err="1"/>
+              <a:t>Linting</a:t>
             </a:r>
             <a:endParaRPr lang="en-US" dirty="0"/>
           </a:p>
           <a:p>
             <a:r>
-              <a:rPr lang="en-US" dirty="0"/>
-              <a:t>ES 2015 Features</a:t>
-            </a:r>
-          </a:p>
-          <a:p>
-            <a:pPr lvl="1"/>
-            <a:r>
-              <a:rPr lang="en-US" dirty="0"/>
-              <a:t>Template </a:t>
-            </a:r>
-            <a:r>
-              <a:rPr lang="en-US" dirty="0" smtClean="0"/>
-              <a:t>strings</a:t>
-            </a:r>
-          </a:p>
-          <a:p>
-            <a:pPr lvl="1"/>
-            <a:r>
-              <a:rPr lang="en-US" dirty="0" err="1" smtClean="0"/>
-              <a:t>Destructuring</a:t>
-            </a:r>
-            <a:endParaRPr lang="en-US" dirty="0"/>
-          </a:p>
-          <a:p>
-            <a:r>
-              <a:rPr lang="en-US" dirty="0"/>
-              <a:t>Configuration</a:t>
-            </a:r>
-          </a:p>
-          <a:p>
-            <a:pPr lvl="1"/>
-            <a:r>
-              <a:rPr lang="en-US" dirty="0" smtClean="0"/>
-              <a:t>lib</a:t>
-            </a:r>
-            <a:endParaRPr lang="en-US" dirty="0"/>
-          </a:p>
-          <a:p>
-            <a:pPr lvl="1"/>
-            <a:r>
               <a:rPr lang="en-US" dirty="0" err="1"/>
-              <a:t>l</a:t>
-            </a:r>
-            <a:r>
-              <a:rPr lang="en-US" dirty="0" err="1" smtClean="0"/>
-              <a:t>istfiles</a:t>
-            </a:r>
-            <a:endParaRPr lang="en-US" dirty="0"/>
-          </a:p>
-          <a:p>
-            <a:pPr lvl="1"/>
-            <a:r>
-              <a:rPr lang="en-US" dirty="0" err="1" smtClean="0"/>
-              <a:t>Linting</a:t>
-            </a:r>
-            <a:endParaRPr lang="en-US" dirty="0" smtClean="0"/>
-          </a:p>
-          <a:p>
-            <a:r>
-              <a:rPr lang="en-US" dirty="0" err="1" smtClean="0"/>
               <a:t>TSLint</a:t>
             </a:r>
             <a:endParaRPr lang="en-US" dirty="0"/>
@@ -5288,10 +5164,9 @@
           <a:lstStyle/>
           <a:p>
             <a:r>
-              <a:rPr lang="en-US" smtClean="0"/>
+              <a:rPr lang="en-US"/>
               <a:t>@jacobladams          http://bit.ly/jaketsgems</a:t>
             </a:r>
-            <a:endParaRPr lang="en-US"/>
           </a:p>
         </p:txBody>
       </p:sp>
@@ -5305,13 +5180,6 @@
   <p:clrMapOvr>
     <a:masterClrMapping/>
   </p:clrMapOvr>
-  <p:timing>
-    <p:tnLst>
-      <p:par>
-        <p:cTn id="1" dur="indefinite" restart="never" nodeType="tmRoot"/>
-      </p:par>
-    </p:tnLst>
-  </p:timing>
 </p:sld>
 </file>
 
@@ -5348,10 +5216,9 @@
           <a:lstStyle/>
           <a:p>
             <a:r>
-              <a:rPr lang="en-US" dirty="0" smtClean="0"/>
+              <a:rPr lang="en-US" dirty="0"/>
               <a:t>Advanced Types</a:t>
             </a:r>
-            <a:endParaRPr lang="en-US" dirty="0"/>
           </a:p>
         </p:txBody>
       </p:sp>
@@ -5371,7 +5238,7 @@
           <a:lstStyle/>
           <a:p>
             <a:r>
-              <a:rPr lang="en-US" smtClean="0"/>
+              <a:rPr lang="en-US"/>
               <a:t>@jacobladams          http://bit.ly/jaketsgems</a:t>
             </a:r>
             <a:endParaRPr lang="en-US" dirty="0"/>
@@ -5474,13 +5341,8 @@
             </a:r>
             <a:r>
               <a:rPr lang="en-US" dirty="0"/>
-              <a:t> </a:t>
-            </a:r>
-            <a:r>
-              <a:rPr lang="en-US" dirty="0" smtClean="0"/>
-              <a:t>Features</a:t>
-            </a:r>
-            <a:endParaRPr lang="en-US" dirty="0"/>
+              <a:t> Features</a:t>
+            </a:r>
           </a:p>
         </p:txBody>
       </p:sp>
@@ -5520,7 +5382,7 @@
           <a:p>
             <a:pPr algn="l"/>
             <a:r>
-              <a:rPr lang="en-US" smtClean="0"/>
+              <a:rPr lang="en-US"/>
               <a:t>@jacobladams          http://bit.ly/jaketsgems</a:t>
             </a:r>
             <a:endParaRPr lang="en-US" dirty="0"/>
@@ -5537,13 +5399,6 @@
   <p:clrMapOvr>
     <a:masterClrMapping/>
   </p:clrMapOvr>
-  <p:timing>
-    <p:tnLst>
-      <p:par>
-        <p:cTn id="1" dur="indefinite" restart="never" nodeType="tmRoot"/>
-      </p:par>
-    </p:tnLst>
-  </p:timing>
 </p:sld>
 </file>
 
@@ -5626,7 +5481,7 @@
           <a:p>
             <a:pPr algn="l"/>
             <a:r>
-              <a:rPr lang="en-US" smtClean="0"/>
+              <a:rPr lang="en-US"/>
               <a:t>@jacobladams          http://bit.ly/jaketsgems</a:t>
             </a:r>
             <a:endParaRPr lang="en-US" dirty="0"/>
@@ -5643,13 +5498,6 @@
   <p:clrMapOvr>
     <a:masterClrMapping/>
   </p:clrMapOvr>
-  <p:timing>
-    <p:tnLst>
-      <p:par>
-        <p:cTn id="1" dur="indefinite" restart="never" nodeType="tmRoot"/>
-      </p:par>
-    </p:tnLst>
-  </p:timing>
 </p:sld>
 </file>
 
@@ -5687,18 +5535,14 @@
           <a:p>
             <a:r>
               <a:rPr lang="en-US" dirty="0" err="1"/>
-              <a:t>t</a:t>
-            </a:r>
-            <a:r>
-              <a:rPr lang="en-US" dirty="0" err="1" smtClean="0"/>
-              <a:t>sc</a:t>
-            </a:r>
-            <a:r>
-              <a:rPr lang="en-US" dirty="0" smtClean="0"/>
+              <a:t>tsc</a:t>
+            </a:r>
+            <a:r>
+              <a:rPr lang="en-US" dirty="0"/>
               <a:t> --</a:t>
             </a:r>
             <a:r>
-              <a:rPr lang="en-US" dirty="0" err="1" smtClean="0"/>
+              <a:rPr lang="en-US" dirty="0" err="1"/>
               <a:t>init</a:t>
             </a:r>
             <a:endParaRPr lang="en-US" dirty="0"/>
@@ -5721,18 +5565,17 @@
           <a:lstStyle/>
           <a:p>
             <a:r>
-              <a:rPr lang="en-US" dirty="0" smtClean="0"/>
+              <a:rPr lang="en-US" dirty="0"/>
               <a:t>Creates a new </a:t>
             </a:r>
             <a:r>
-              <a:rPr lang="en-US" dirty="0" err="1" smtClean="0"/>
+              <a:rPr lang="en-US" dirty="0" err="1"/>
               <a:t>tsconfig.json</a:t>
             </a:r>
             <a:r>
-              <a:rPr lang="en-US" dirty="0" smtClean="0"/>
+              <a:rPr lang="en-US" dirty="0"/>
               <a:t> file with comments</a:t>
             </a:r>
-            <a:endParaRPr lang="en-US" dirty="0"/>
           </a:p>
         </p:txBody>
       </p:sp>
@@ -5752,10 +5595,9 @@
           <a:lstStyle/>
           <a:p>
             <a:r>
-              <a:rPr lang="en-US" smtClean="0"/>
+              <a:rPr lang="en-US"/>
               <a:t>@jacobladams          http://bit.ly/jaketsgems</a:t>
             </a:r>
-            <a:endParaRPr lang="en-US"/>
           </a:p>
         </p:txBody>
       </p:sp>
@@ -5769,13 +5611,6 @@
   <p:clrMapOvr>
     <a:masterClrMapping/>
   </p:clrMapOvr>
-  <p:timing>
-    <p:tnLst>
-      <p:par>
-        <p:cTn id="1" dur="indefinite" restart="never" nodeType="tmRoot"/>
-      </p:par>
-    </p:tnLst>
-  </p:timing>
 </p:sld>
 </file>
 
@@ -5812,7 +5647,7 @@
           <a:lstStyle/>
           <a:p>
             <a:r>
-              <a:rPr lang="en-US" dirty="0" err="1" smtClean="0"/>
+              <a:rPr lang="en-US" dirty="0" err="1"/>
               <a:t>skipLibCheck</a:t>
             </a:r>
             <a:endParaRPr lang="en-US" dirty="0"/>
@@ -5838,10 +5673,9 @@
               <a:buNone/>
             </a:pPr>
             <a:r>
-              <a:rPr lang="en-US" dirty="0" smtClean="0"/>
+              <a:rPr lang="en-US" dirty="0"/>
               <a:t>{</a:t>
             </a:r>
-            <a:endParaRPr lang="en-US" dirty="0"/>
           </a:p>
           <a:p>
             <a:pPr marL="0" indent="0">
@@ -5849,11 +5683,7 @@
             </a:pPr>
             <a:r>
               <a:rPr lang="en-US" dirty="0"/>
-              <a:t> </a:t>
-            </a:r>
-            <a:r>
-              <a:rPr lang="en-US" dirty="0" smtClean="0"/>
-              <a:t>   "</a:t>
+              <a:t>    "</a:t>
             </a:r>
             <a:r>
               <a:rPr lang="en-US" dirty="0" err="1"/>
@@ -5869,7 +5699,7 @@
               <a:buNone/>
             </a:pPr>
             <a:r>
-              <a:rPr lang="en-US" dirty="0" smtClean="0"/>
+              <a:rPr lang="en-US" dirty="0"/>
               <a:t>        "</a:t>
             </a:r>
             <a:r>
@@ -5878,42 +5708,32 @@
             </a:r>
             <a:r>
               <a:rPr lang="en-US" dirty="0"/>
-              <a:t>": </a:t>
-            </a:r>
-            <a:r>
-              <a:rPr lang="en-US" dirty="0" smtClean="0"/>
-              <a:t>true</a:t>
-            </a:r>
+              <a:t>": true</a:t>
+            </a:r>
+          </a:p>
+          <a:p>
+            <a:pPr marL="0" indent="0">
+              <a:buNone/>
+            </a:pPr>
+            <a:r>
+              <a:rPr lang="en-US" dirty="0"/>
+              <a:t>    }</a:t>
+            </a:r>
+          </a:p>
+          <a:p>
+            <a:pPr marL="0" indent="0">
+              <a:buNone/>
+            </a:pPr>
+            <a:r>
+              <a:rPr lang="en-US" dirty="0"/>
+              <a:t>}</a:t>
+            </a:r>
+          </a:p>
+          <a:p>
+            <a:pPr marL="0" indent="0">
+              <a:buNone/>
+            </a:pPr>
             <a:endParaRPr lang="en-US" dirty="0"/>
-          </a:p>
-          <a:p>
-            <a:pPr marL="0" indent="0">
-              <a:buNone/>
-            </a:pPr>
-            <a:r>
-              <a:rPr lang="en-US" dirty="0"/>
-              <a:t> </a:t>
-            </a:r>
-            <a:r>
-              <a:rPr lang="en-US" dirty="0" smtClean="0"/>
-              <a:t>   }</a:t>
-            </a:r>
-            <a:endParaRPr lang="en-US" dirty="0"/>
-          </a:p>
-          <a:p>
-            <a:pPr marL="0" indent="0">
-              <a:buNone/>
-            </a:pPr>
-            <a:r>
-              <a:rPr lang="en-US" dirty="0"/>
-              <a:t>}</a:t>
-            </a:r>
-          </a:p>
-          <a:p>
-            <a:pPr marL="0" indent="0">
-              <a:buNone/>
-            </a:pPr>
-            <a:endParaRPr lang="en-US" dirty="0" smtClean="0"/>
           </a:p>
           <a:p>
             <a:pPr marL="0" indent="0">
@@ -5931,7 +5751,6 @@
               <a:rPr lang="en-US" dirty="0"/>
               <a:t>).</a:t>
             </a:r>
-            <a:endParaRPr lang="en-US" dirty="0" smtClean="0"/>
           </a:p>
           <a:p>
             <a:pPr marL="0" indent="0">
@@ -5957,10 +5776,9 @@
           <a:lstStyle/>
           <a:p>
             <a:r>
-              <a:rPr lang="en-US" smtClean="0"/>
+              <a:rPr lang="en-US"/>
               <a:t>@jacobladams          http://bit.ly/jaketsgems</a:t>
             </a:r>
-            <a:endParaRPr lang="en-US"/>
           </a:p>
         </p:txBody>
       </p:sp>
@@ -5974,13 +5792,6 @@
   <p:clrMapOvr>
     <a:masterClrMapping/>
   </p:clrMapOvr>
-  <p:timing>
-    <p:tnLst>
-      <p:par>
-        <p:cTn id="1" dur="indefinite" restart="never" nodeType="tmRoot"/>
-      </p:par>
-    </p:tnLst>
-  </p:timing>
 </p:sld>
 </file>
 
